--- a/aja.pptx
+++ b/aja.pptx
@@ -12,16 +12,28 @@
     <p:sldId id="257" r:id="rId7"/>
     <p:sldId id="258" r:id="rId8"/>
     <p:sldId id="259" r:id="rId9"/>
+    <p:sldId id="260" r:id="rId10"/>
+    <p:sldId id="261" r:id="rId11"/>
+    <p:sldId id="262" r:id="rId12"/>
+    <p:sldId id="263" r:id="rId13"/>
+    <p:sldId id="264" r:id="rId14"/>
+    <p:sldId id="265" r:id="rId15"/>
+    <p:sldId id="266" r:id="rId16"/>
   </p:sldIdLst>
   <p:sldSz cy="5143500" cx="9144000"/>
   <p:notesSz cx="6858000" cy="9144000"/>
   <p:embeddedFontLst>
     <p:embeddedFont>
       <p:font typeface="Proxima Nova"/>
-      <p:regular r:id="rId10"/>
-      <p:bold r:id="rId11"/>
-      <p:italic r:id="rId12"/>
-      <p:boldItalic r:id="rId13"/>
+      <p:regular r:id="rId17"/>
+      <p:bold r:id="rId18"/>
+      <p:italic r:id="rId19"/>
+      <p:boldItalic r:id="rId20"/>
+    </p:embeddedFont>
+    <p:embeddedFont>
+      <p:font typeface="Inconsolata"/>
+      <p:regular r:id="rId21"/>
+      <p:bold r:id="rId22"/>
     </p:embeddedFont>
   </p:embeddedFontLst>
   <p:defaultTextStyle>
@@ -797,6 +809,204 @@
 </p:notes>
 </file>
 
+<file path=ppt/notesSlides/notesSlide10.xml><?xml version="1.0" encoding="utf-8"?>
+<p:notes xmlns:a="http://schemas.openxmlformats.org/drawingml/2006/main" xmlns:r="http://schemas.openxmlformats.org/officeDocument/2006/relationships" xmlns:mc="http://schemas.openxmlformats.org/markup-compatibility/2006" xmlns:mv="urn:schemas-microsoft-com:mac:vml" xmlns:p="http://schemas.openxmlformats.org/presentationml/2006/main" xmlns:c="http://schemas.openxmlformats.org/drawingml/2006/chart" xmlns:dgm="http://schemas.openxmlformats.org/drawingml/2006/diagram" xmlns:o="urn:schemas-microsoft-com:office:office" xmlns:v="urn:schemas-microsoft-com:vml" xmlns:pvml="urn:schemas-microsoft-com:office:powerpoint" xmlns:com="http://schemas.openxmlformats.org/drawingml/2006/compatibility" xmlns:p14="http://schemas.microsoft.com/office/powerpoint/2010/main" xmlns:p15="http://schemas.microsoft.com/office/powerpoint/2012/main" xmlns:ahyp="http://schemas.microsoft.com/office/drawing/2018/hyperlinkcolor" showMasterPhAnim="0" showMasterSp="0">
+  <p:cSld>
+    <p:spTree>
+      <p:nvGrpSpPr>
+        <p:cNvPr id="110" name="Shape 110"/>
+        <p:cNvGrpSpPr/>
+        <p:nvPr/>
+      </p:nvGrpSpPr>
+      <p:grpSpPr>
+        <a:xfrm>
+          <a:off x="0" y="0"/>
+          <a:ext cx="0" cy="0"/>
+          <a:chOff x="0" y="0"/>
+          <a:chExt cx="0" cy="0"/>
+        </a:xfrm>
+      </p:grpSpPr>
+      <p:sp>
+        <p:nvSpPr>
+          <p:cNvPr id="111" name="Google Shape;111;g13b92002acf_0_242:notes"/>
+          <p:cNvSpPr/>
+          <p:nvPr>
+            <p:ph idx="2" type="sldImg"/>
+          </p:nvPr>
+        </p:nvSpPr>
+        <p:spPr>
+          <a:xfrm>
+            <a:off x="381300" y="685800"/>
+            <a:ext cx="6096000" cy="3429000"/>
+          </a:xfrm>
+          <a:custGeom>
+            <a:rect b="b" l="l" r="r" t="t"/>
+            <a:pathLst>
+              <a:path extrusionOk="0" h="120000" w="120000">
+                <a:moveTo>
+                  <a:pt x="0" y="0"/>
+                </a:moveTo>
+                <a:lnTo>
+                  <a:pt x="120000" y="0"/>
+                </a:lnTo>
+                <a:lnTo>
+                  <a:pt x="120000" y="120000"/>
+                </a:lnTo>
+                <a:lnTo>
+                  <a:pt x="0" y="120000"/>
+                </a:lnTo>
+                <a:close/>
+              </a:path>
+            </a:pathLst>
+          </a:custGeom>
+        </p:spPr>
+      </p:sp>
+      <p:sp>
+        <p:nvSpPr>
+          <p:cNvPr id="112" name="Google Shape;112;g13b92002acf_0_242:notes"/>
+          <p:cNvSpPr txBox="1"/>
+          <p:nvPr>
+            <p:ph idx="1" type="body"/>
+          </p:nvPr>
+        </p:nvSpPr>
+        <p:spPr>
+          <a:xfrm>
+            <a:off x="685800" y="4343400"/>
+            <a:ext cx="5486400" cy="4114800"/>
+          </a:xfrm>
+          <a:prstGeom prst="rect">
+            <a:avLst/>
+          </a:prstGeom>
+        </p:spPr>
+        <p:txBody>
+          <a:bodyPr anchorCtr="0" anchor="t" bIns="91425" lIns="91425" spcFirstLastPara="1" rIns="91425" wrap="square" tIns="91425">
+            <a:noAutofit/>
+          </a:bodyPr>
+          <a:lstStyle/>
+          <a:p>
+            <a:pPr indent="0" lvl="0" marL="0" rtl="0" algn="l">
+              <a:spcBef>
+                <a:spcPts val="0"/>
+              </a:spcBef>
+              <a:spcAft>
+                <a:spcPts val="0"/>
+              </a:spcAft>
+              <a:buNone/>
+            </a:pPr>
+            <a:r>
+              <a:t/>
+            </a:r>
+            <a:endParaRPr/>
+          </a:p>
+        </p:txBody>
+      </p:sp>
+    </p:spTree>
+  </p:cSld>
+  <p:clrMapOvr>
+    <a:masterClrMapping/>
+  </p:clrMapOvr>
+</p:notes>
+</file>
+
+<file path=ppt/notesSlides/notesSlide11.xml><?xml version="1.0" encoding="utf-8"?>
+<p:notes xmlns:a="http://schemas.openxmlformats.org/drawingml/2006/main" xmlns:r="http://schemas.openxmlformats.org/officeDocument/2006/relationships" xmlns:mc="http://schemas.openxmlformats.org/markup-compatibility/2006" xmlns:mv="urn:schemas-microsoft-com:mac:vml" xmlns:p="http://schemas.openxmlformats.org/presentationml/2006/main" xmlns:c="http://schemas.openxmlformats.org/drawingml/2006/chart" xmlns:dgm="http://schemas.openxmlformats.org/drawingml/2006/diagram" xmlns:o="urn:schemas-microsoft-com:office:office" xmlns:v="urn:schemas-microsoft-com:vml" xmlns:pvml="urn:schemas-microsoft-com:office:powerpoint" xmlns:com="http://schemas.openxmlformats.org/drawingml/2006/compatibility" xmlns:p14="http://schemas.microsoft.com/office/powerpoint/2010/main" xmlns:p15="http://schemas.microsoft.com/office/powerpoint/2012/main" xmlns:ahyp="http://schemas.microsoft.com/office/drawing/2018/hyperlinkcolor" showMasterPhAnim="0" showMasterSp="0">
+  <p:cSld>
+    <p:spTree>
+      <p:nvGrpSpPr>
+        <p:cNvPr id="119" name="Shape 119"/>
+        <p:cNvGrpSpPr/>
+        <p:nvPr/>
+      </p:nvGrpSpPr>
+      <p:grpSpPr>
+        <a:xfrm>
+          <a:off x="0" y="0"/>
+          <a:ext cx="0" cy="0"/>
+          <a:chOff x="0" y="0"/>
+          <a:chExt cx="0" cy="0"/>
+        </a:xfrm>
+      </p:grpSpPr>
+      <p:sp>
+        <p:nvSpPr>
+          <p:cNvPr id="120" name="Google Shape;120;g13b92002acf_0_255:notes"/>
+          <p:cNvSpPr/>
+          <p:nvPr>
+            <p:ph idx="2" type="sldImg"/>
+          </p:nvPr>
+        </p:nvSpPr>
+        <p:spPr>
+          <a:xfrm>
+            <a:off x="381300" y="685800"/>
+            <a:ext cx="6096000" cy="3429000"/>
+          </a:xfrm>
+          <a:custGeom>
+            <a:rect b="b" l="l" r="r" t="t"/>
+            <a:pathLst>
+              <a:path extrusionOk="0" h="120000" w="120000">
+                <a:moveTo>
+                  <a:pt x="0" y="0"/>
+                </a:moveTo>
+                <a:lnTo>
+                  <a:pt x="120000" y="0"/>
+                </a:lnTo>
+                <a:lnTo>
+                  <a:pt x="120000" y="120000"/>
+                </a:lnTo>
+                <a:lnTo>
+                  <a:pt x="0" y="120000"/>
+                </a:lnTo>
+                <a:close/>
+              </a:path>
+            </a:pathLst>
+          </a:custGeom>
+        </p:spPr>
+      </p:sp>
+      <p:sp>
+        <p:nvSpPr>
+          <p:cNvPr id="121" name="Google Shape;121;g13b92002acf_0_255:notes"/>
+          <p:cNvSpPr txBox="1"/>
+          <p:nvPr>
+            <p:ph idx="1" type="body"/>
+          </p:nvPr>
+        </p:nvSpPr>
+        <p:spPr>
+          <a:xfrm>
+            <a:off x="685800" y="4343400"/>
+            <a:ext cx="5486400" cy="4114800"/>
+          </a:xfrm>
+          <a:prstGeom prst="rect">
+            <a:avLst/>
+          </a:prstGeom>
+        </p:spPr>
+        <p:txBody>
+          <a:bodyPr anchorCtr="0" anchor="t" bIns="91425" lIns="91425" spcFirstLastPara="1" rIns="91425" wrap="square" tIns="91425">
+            <a:noAutofit/>
+          </a:bodyPr>
+          <a:lstStyle/>
+          <a:p>
+            <a:pPr indent="0" lvl="0" marL="0" rtl="0" algn="l">
+              <a:spcBef>
+                <a:spcPts val="0"/>
+              </a:spcBef>
+              <a:spcAft>
+                <a:spcPts val="0"/>
+              </a:spcAft>
+              <a:buNone/>
+            </a:pPr>
+            <a:r>
+              <a:t/>
+            </a:r>
+            <a:endParaRPr/>
+          </a:p>
+        </p:txBody>
+      </p:sp>
+    </p:spTree>
+  </p:cSld>
+  <p:clrMapOvr>
+    <a:masterClrMapping/>
+  </p:clrMapOvr>
+</p:notes>
+</file>
+
 <file path=ppt/notesSlides/notesSlide2.xml><?xml version="1.0" encoding="utf-8"?>
 <p:notes xmlns:a="http://schemas.openxmlformats.org/drawingml/2006/main" xmlns:r="http://schemas.openxmlformats.org/officeDocument/2006/relationships" xmlns:mc="http://schemas.openxmlformats.org/markup-compatibility/2006" xmlns:mv="urn:schemas-microsoft-com:mac:vml" xmlns:p="http://schemas.openxmlformats.org/presentationml/2006/main" xmlns:c="http://schemas.openxmlformats.org/drawingml/2006/chart" xmlns:dgm="http://schemas.openxmlformats.org/drawingml/2006/diagram" xmlns:o="urn:schemas-microsoft-com:office:office" xmlns:v="urn:schemas-microsoft-com:vml" xmlns:pvml="urn:schemas-microsoft-com:office:powerpoint" xmlns:com="http://schemas.openxmlformats.org/drawingml/2006/compatibility" xmlns:p14="http://schemas.microsoft.com/office/powerpoint/2010/main" xmlns:p15="http://schemas.microsoft.com/office/powerpoint/2012/main" xmlns:ahyp="http://schemas.microsoft.com/office/drawing/2018/hyperlinkcolor" showMasterPhAnim="0" showMasterSp="0">
   <p:cSld>
@@ -1050,6 +1260,501 @@
       <p:sp>
         <p:nvSpPr>
           <p:cNvPr id="75" name="Google Shape;75;g13b92002acf_0_191:notes"/>
+          <p:cNvSpPr txBox="1"/>
+          <p:nvPr>
+            <p:ph idx="1" type="body"/>
+          </p:nvPr>
+        </p:nvSpPr>
+        <p:spPr>
+          <a:xfrm>
+            <a:off x="685800" y="4343400"/>
+            <a:ext cx="5486400" cy="4114800"/>
+          </a:xfrm>
+          <a:prstGeom prst="rect">
+            <a:avLst/>
+          </a:prstGeom>
+        </p:spPr>
+        <p:txBody>
+          <a:bodyPr anchorCtr="0" anchor="t" bIns="91425" lIns="91425" spcFirstLastPara="1" rIns="91425" wrap="square" tIns="91425">
+            <a:noAutofit/>
+          </a:bodyPr>
+          <a:lstStyle/>
+          <a:p>
+            <a:pPr indent="0" lvl="0" marL="0" rtl="0" algn="l">
+              <a:spcBef>
+                <a:spcPts val="0"/>
+              </a:spcBef>
+              <a:spcAft>
+                <a:spcPts val="0"/>
+              </a:spcAft>
+              <a:buNone/>
+            </a:pPr>
+            <a:r>
+              <a:t/>
+            </a:r>
+            <a:endParaRPr/>
+          </a:p>
+        </p:txBody>
+      </p:sp>
+    </p:spTree>
+  </p:cSld>
+  <p:clrMapOvr>
+    <a:masterClrMapping/>
+  </p:clrMapOvr>
+</p:notes>
+</file>
+
+<file path=ppt/notesSlides/notesSlide5.xml><?xml version="1.0" encoding="utf-8"?>
+<p:notes xmlns:a="http://schemas.openxmlformats.org/drawingml/2006/main" xmlns:r="http://schemas.openxmlformats.org/officeDocument/2006/relationships" xmlns:mc="http://schemas.openxmlformats.org/markup-compatibility/2006" xmlns:mv="urn:schemas-microsoft-com:mac:vml" xmlns:p="http://schemas.openxmlformats.org/presentationml/2006/main" xmlns:c="http://schemas.openxmlformats.org/drawingml/2006/chart" xmlns:dgm="http://schemas.openxmlformats.org/drawingml/2006/diagram" xmlns:o="urn:schemas-microsoft-com:office:office" xmlns:v="urn:schemas-microsoft-com:vml" xmlns:pvml="urn:schemas-microsoft-com:office:powerpoint" xmlns:com="http://schemas.openxmlformats.org/drawingml/2006/compatibility" xmlns:p14="http://schemas.microsoft.com/office/powerpoint/2010/main" xmlns:p15="http://schemas.microsoft.com/office/powerpoint/2012/main" xmlns:ahyp="http://schemas.microsoft.com/office/drawing/2018/hyperlinkcolor" showMasterPhAnim="0" showMasterSp="0">
+  <p:cSld>
+    <p:spTree>
+      <p:nvGrpSpPr>
+        <p:cNvPr id="79" name="Shape 79"/>
+        <p:cNvGrpSpPr/>
+        <p:nvPr/>
+      </p:nvGrpSpPr>
+      <p:grpSpPr>
+        <a:xfrm>
+          <a:off x="0" y="0"/>
+          <a:ext cx="0" cy="0"/>
+          <a:chOff x="0" y="0"/>
+          <a:chExt cx="0" cy="0"/>
+        </a:xfrm>
+      </p:grpSpPr>
+      <p:sp>
+        <p:nvSpPr>
+          <p:cNvPr id="80" name="Google Shape;80;g13b92002acf_0_199:notes"/>
+          <p:cNvSpPr/>
+          <p:nvPr>
+            <p:ph idx="2" type="sldImg"/>
+          </p:nvPr>
+        </p:nvSpPr>
+        <p:spPr>
+          <a:xfrm>
+            <a:off x="381300" y="685800"/>
+            <a:ext cx="6096000" cy="3429000"/>
+          </a:xfrm>
+          <a:custGeom>
+            <a:rect b="b" l="l" r="r" t="t"/>
+            <a:pathLst>
+              <a:path extrusionOk="0" h="120000" w="120000">
+                <a:moveTo>
+                  <a:pt x="0" y="0"/>
+                </a:moveTo>
+                <a:lnTo>
+                  <a:pt x="120000" y="0"/>
+                </a:lnTo>
+                <a:lnTo>
+                  <a:pt x="120000" y="120000"/>
+                </a:lnTo>
+                <a:lnTo>
+                  <a:pt x="0" y="120000"/>
+                </a:lnTo>
+                <a:close/>
+              </a:path>
+            </a:pathLst>
+          </a:custGeom>
+        </p:spPr>
+      </p:sp>
+      <p:sp>
+        <p:nvSpPr>
+          <p:cNvPr id="81" name="Google Shape;81;g13b92002acf_0_199:notes"/>
+          <p:cNvSpPr txBox="1"/>
+          <p:nvPr>
+            <p:ph idx="1" type="body"/>
+          </p:nvPr>
+        </p:nvSpPr>
+        <p:spPr>
+          <a:xfrm>
+            <a:off x="685800" y="4343400"/>
+            <a:ext cx="5486400" cy="4114800"/>
+          </a:xfrm>
+          <a:prstGeom prst="rect">
+            <a:avLst/>
+          </a:prstGeom>
+        </p:spPr>
+        <p:txBody>
+          <a:bodyPr anchorCtr="0" anchor="t" bIns="91425" lIns="91425" spcFirstLastPara="1" rIns="91425" wrap="square" tIns="91425">
+            <a:noAutofit/>
+          </a:bodyPr>
+          <a:lstStyle/>
+          <a:p>
+            <a:pPr indent="0" lvl="0" marL="0" rtl="0" algn="l">
+              <a:spcBef>
+                <a:spcPts val="0"/>
+              </a:spcBef>
+              <a:spcAft>
+                <a:spcPts val="0"/>
+              </a:spcAft>
+              <a:buNone/>
+            </a:pPr>
+            <a:r>
+              <a:t/>
+            </a:r>
+            <a:endParaRPr/>
+          </a:p>
+        </p:txBody>
+      </p:sp>
+    </p:spTree>
+  </p:cSld>
+  <p:clrMapOvr>
+    <a:masterClrMapping/>
+  </p:clrMapOvr>
+</p:notes>
+</file>
+
+<file path=ppt/notesSlides/notesSlide6.xml><?xml version="1.0" encoding="utf-8"?>
+<p:notes xmlns:a="http://schemas.openxmlformats.org/drawingml/2006/main" xmlns:r="http://schemas.openxmlformats.org/officeDocument/2006/relationships" xmlns:mc="http://schemas.openxmlformats.org/markup-compatibility/2006" xmlns:mv="urn:schemas-microsoft-com:mac:vml" xmlns:p="http://schemas.openxmlformats.org/presentationml/2006/main" xmlns:c="http://schemas.openxmlformats.org/drawingml/2006/chart" xmlns:dgm="http://schemas.openxmlformats.org/drawingml/2006/diagram" xmlns:o="urn:schemas-microsoft-com:office:office" xmlns:v="urn:schemas-microsoft-com:vml" xmlns:pvml="urn:schemas-microsoft-com:office:powerpoint" xmlns:com="http://schemas.openxmlformats.org/drawingml/2006/compatibility" xmlns:p14="http://schemas.microsoft.com/office/powerpoint/2010/main" xmlns:p15="http://schemas.microsoft.com/office/powerpoint/2012/main" xmlns:ahyp="http://schemas.microsoft.com/office/drawing/2018/hyperlinkcolor" showMasterPhAnim="0" showMasterSp="0">
+  <p:cSld>
+    <p:spTree>
+      <p:nvGrpSpPr>
+        <p:cNvPr id="85" name="Shape 85"/>
+        <p:cNvGrpSpPr/>
+        <p:nvPr/>
+      </p:nvGrpSpPr>
+      <p:grpSpPr>
+        <a:xfrm>
+          <a:off x="0" y="0"/>
+          <a:ext cx="0" cy="0"/>
+          <a:chOff x="0" y="0"/>
+          <a:chExt cx="0" cy="0"/>
+        </a:xfrm>
+      </p:grpSpPr>
+      <p:sp>
+        <p:nvSpPr>
+          <p:cNvPr id="86" name="Google Shape;86;g13b92002acf_0_207:notes"/>
+          <p:cNvSpPr/>
+          <p:nvPr>
+            <p:ph idx="2" type="sldImg"/>
+          </p:nvPr>
+        </p:nvSpPr>
+        <p:spPr>
+          <a:xfrm>
+            <a:off x="381300" y="685800"/>
+            <a:ext cx="6096000" cy="3429000"/>
+          </a:xfrm>
+          <a:custGeom>
+            <a:rect b="b" l="l" r="r" t="t"/>
+            <a:pathLst>
+              <a:path extrusionOk="0" h="120000" w="120000">
+                <a:moveTo>
+                  <a:pt x="0" y="0"/>
+                </a:moveTo>
+                <a:lnTo>
+                  <a:pt x="120000" y="0"/>
+                </a:lnTo>
+                <a:lnTo>
+                  <a:pt x="120000" y="120000"/>
+                </a:lnTo>
+                <a:lnTo>
+                  <a:pt x="0" y="120000"/>
+                </a:lnTo>
+                <a:close/>
+              </a:path>
+            </a:pathLst>
+          </a:custGeom>
+        </p:spPr>
+      </p:sp>
+      <p:sp>
+        <p:nvSpPr>
+          <p:cNvPr id="87" name="Google Shape;87;g13b92002acf_0_207:notes"/>
+          <p:cNvSpPr txBox="1"/>
+          <p:nvPr>
+            <p:ph idx="1" type="body"/>
+          </p:nvPr>
+        </p:nvSpPr>
+        <p:spPr>
+          <a:xfrm>
+            <a:off x="685800" y="4343400"/>
+            <a:ext cx="5486400" cy="4114800"/>
+          </a:xfrm>
+          <a:prstGeom prst="rect">
+            <a:avLst/>
+          </a:prstGeom>
+        </p:spPr>
+        <p:txBody>
+          <a:bodyPr anchorCtr="0" anchor="t" bIns="91425" lIns="91425" spcFirstLastPara="1" rIns="91425" wrap="square" tIns="91425">
+            <a:noAutofit/>
+          </a:bodyPr>
+          <a:lstStyle/>
+          <a:p>
+            <a:pPr indent="0" lvl="0" marL="0" rtl="0" algn="l">
+              <a:spcBef>
+                <a:spcPts val="0"/>
+              </a:spcBef>
+              <a:spcAft>
+                <a:spcPts val="0"/>
+              </a:spcAft>
+              <a:buNone/>
+            </a:pPr>
+            <a:r>
+              <a:t/>
+            </a:r>
+            <a:endParaRPr/>
+          </a:p>
+        </p:txBody>
+      </p:sp>
+    </p:spTree>
+  </p:cSld>
+  <p:clrMapOvr>
+    <a:masterClrMapping/>
+  </p:clrMapOvr>
+</p:notes>
+</file>
+
+<file path=ppt/notesSlides/notesSlide7.xml><?xml version="1.0" encoding="utf-8"?>
+<p:notes xmlns:a="http://schemas.openxmlformats.org/drawingml/2006/main" xmlns:r="http://schemas.openxmlformats.org/officeDocument/2006/relationships" xmlns:mc="http://schemas.openxmlformats.org/markup-compatibility/2006" xmlns:mv="urn:schemas-microsoft-com:mac:vml" xmlns:p="http://schemas.openxmlformats.org/presentationml/2006/main" xmlns:c="http://schemas.openxmlformats.org/drawingml/2006/chart" xmlns:dgm="http://schemas.openxmlformats.org/drawingml/2006/diagram" xmlns:o="urn:schemas-microsoft-com:office:office" xmlns:v="urn:schemas-microsoft-com:vml" xmlns:pvml="urn:schemas-microsoft-com:office:powerpoint" xmlns:com="http://schemas.openxmlformats.org/drawingml/2006/compatibility" xmlns:p14="http://schemas.microsoft.com/office/powerpoint/2010/main" xmlns:p15="http://schemas.microsoft.com/office/powerpoint/2012/main" xmlns:ahyp="http://schemas.microsoft.com/office/drawing/2018/hyperlinkcolor" showMasterPhAnim="0" showMasterSp="0">
+  <p:cSld>
+    <p:spTree>
+      <p:nvGrpSpPr>
+        <p:cNvPr id="91" name="Shape 91"/>
+        <p:cNvGrpSpPr/>
+        <p:nvPr/>
+      </p:nvGrpSpPr>
+      <p:grpSpPr>
+        <a:xfrm>
+          <a:off x="0" y="0"/>
+          <a:ext cx="0" cy="0"/>
+          <a:chOff x="0" y="0"/>
+          <a:chExt cx="0" cy="0"/>
+        </a:xfrm>
+      </p:grpSpPr>
+      <p:sp>
+        <p:nvSpPr>
+          <p:cNvPr id="92" name="Google Shape;92;g13b92002acf_0_214:notes"/>
+          <p:cNvSpPr/>
+          <p:nvPr>
+            <p:ph idx="2" type="sldImg"/>
+          </p:nvPr>
+        </p:nvSpPr>
+        <p:spPr>
+          <a:xfrm>
+            <a:off x="381300" y="685800"/>
+            <a:ext cx="6096000" cy="3429000"/>
+          </a:xfrm>
+          <a:custGeom>
+            <a:rect b="b" l="l" r="r" t="t"/>
+            <a:pathLst>
+              <a:path extrusionOk="0" h="120000" w="120000">
+                <a:moveTo>
+                  <a:pt x="0" y="0"/>
+                </a:moveTo>
+                <a:lnTo>
+                  <a:pt x="120000" y="0"/>
+                </a:lnTo>
+                <a:lnTo>
+                  <a:pt x="120000" y="120000"/>
+                </a:lnTo>
+                <a:lnTo>
+                  <a:pt x="0" y="120000"/>
+                </a:lnTo>
+                <a:close/>
+              </a:path>
+            </a:pathLst>
+          </a:custGeom>
+        </p:spPr>
+      </p:sp>
+      <p:sp>
+        <p:nvSpPr>
+          <p:cNvPr id="93" name="Google Shape;93;g13b92002acf_0_214:notes"/>
+          <p:cNvSpPr txBox="1"/>
+          <p:nvPr>
+            <p:ph idx="1" type="body"/>
+          </p:nvPr>
+        </p:nvSpPr>
+        <p:spPr>
+          <a:xfrm>
+            <a:off x="685800" y="4343400"/>
+            <a:ext cx="5486400" cy="4114800"/>
+          </a:xfrm>
+          <a:prstGeom prst="rect">
+            <a:avLst/>
+          </a:prstGeom>
+        </p:spPr>
+        <p:txBody>
+          <a:bodyPr anchorCtr="0" anchor="t" bIns="91425" lIns="91425" spcFirstLastPara="1" rIns="91425" wrap="square" tIns="91425">
+            <a:noAutofit/>
+          </a:bodyPr>
+          <a:lstStyle/>
+          <a:p>
+            <a:pPr indent="0" lvl="0" marL="0" rtl="0" algn="l">
+              <a:spcBef>
+                <a:spcPts val="0"/>
+              </a:spcBef>
+              <a:spcAft>
+                <a:spcPts val="0"/>
+              </a:spcAft>
+              <a:buNone/>
+            </a:pPr>
+            <a:r>
+              <a:t/>
+            </a:r>
+            <a:endParaRPr/>
+          </a:p>
+        </p:txBody>
+      </p:sp>
+    </p:spTree>
+  </p:cSld>
+  <p:clrMapOvr>
+    <a:masterClrMapping/>
+  </p:clrMapOvr>
+</p:notes>
+</file>
+
+<file path=ppt/notesSlides/notesSlide8.xml><?xml version="1.0" encoding="utf-8"?>
+<p:notes xmlns:a="http://schemas.openxmlformats.org/drawingml/2006/main" xmlns:r="http://schemas.openxmlformats.org/officeDocument/2006/relationships" xmlns:mc="http://schemas.openxmlformats.org/markup-compatibility/2006" xmlns:mv="urn:schemas-microsoft-com:mac:vml" xmlns:p="http://schemas.openxmlformats.org/presentationml/2006/main" xmlns:c="http://schemas.openxmlformats.org/drawingml/2006/chart" xmlns:dgm="http://schemas.openxmlformats.org/drawingml/2006/diagram" xmlns:o="urn:schemas-microsoft-com:office:office" xmlns:v="urn:schemas-microsoft-com:vml" xmlns:pvml="urn:schemas-microsoft-com:office:powerpoint" xmlns:com="http://schemas.openxmlformats.org/drawingml/2006/compatibility" xmlns:p14="http://schemas.microsoft.com/office/powerpoint/2010/main" xmlns:p15="http://schemas.microsoft.com/office/powerpoint/2012/main" xmlns:ahyp="http://schemas.microsoft.com/office/drawing/2018/hyperlinkcolor" showMasterPhAnim="0" showMasterSp="0">
+  <p:cSld>
+    <p:spTree>
+      <p:nvGrpSpPr>
+        <p:cNvPr id="96" name="Shape 96"/>
+        <p:cNvGrpSpPr/>
+        <p:nvPr/>
+      </p:nvGrpSpPr>
+      <p:grpSpPr>
+        <a:xfrm>
+          <a:off x="0" y="0"/>
+          <a:ext cx="0" cy="0"/>
+          <a:chOff x="0" y="0"/>
+          <a:chExt cx="0" cy="0"/>
+        </a:xfrm>
+      </p:grpSpPr>
+      <p:sp>
+        <p:nvSpPr>
+          <p:cNvPr id="97" name="Google Shape;97;g13b92002acf_0_223:notes"/>
+          <p:cNvSpPr/>
+          <p:nvPr>
+            <p:ph idx="2" type="sldImg"/>
+          </p:nvPr>
+        </p:nvSpPr>
+        <p:spPr>
+          <a:xfrm>
+            <a:off x="381300" y="685800"/>
+            <a:ext cx="6096000" cy="3429000"/>
+          </a:xfrm>
+          <a:custGeom>
+            <a:rect b="b" l="l" r="r" t="t"/>
+            <a:pathLst>
+              <a:path extrusionOk="0" h="120000" w="120000">
+                <a:moveTo>
+                  <a:pt x="0" y="0"/>
+                </a:moveTo>
+                <a:lnTo>
+                  <a:pt x="120000" y="0"/>
+                </a:lnTo>
+                <a:lnTo>
+                  <a:pt x="120000" y="120000"/>
+                </a:lnTo>
+                <a:lnTo>
+                  <a:pt x="0" y="120000"/>
+                </a:lnTo>
+                <a:close/>
+              </a:path>
+            </a:pathLst>
+          </a:custGeom>
+        </p:spPr>
+      </p:sp>
+      <p:sp>
+        <p:nvSpPr>
+          <p:cNvPr id="98" name="Google Shape;98;g13b92002acf_0_223:notes"/>
+          <p:cNvSpPr txBox="1"/>
+          <p:nvPr>
+            <p:ph idx="1" type="body"/>
+          </p:nvPr>
+        </p:nvSpPr>
+        <p:spPr>
+          <a:xfrm>
+            <a:off x="685800" y="4343400"/>
+            <a:ext cx="5486400" cy="4114800"/>
+          </a:xfrm>
+          <a:prstGeom prst="rect">
+            <a:avLst/>
+          </a:prstGeom>
+        </p:spPr>
+        <p:txBody>
+          <a:bodyPr anchorCtr="0" anchor="t" bIns="91425" lIns="91425" spcFirstLastPara="1" rIns="91425" wrap="square" tIns="91425">
+            <a:noAutofit/>
+          </a:bodyPr>
+          <a:lstStyle/>
+          <a:p>
+            <a:pPr indent="0" lvl="0" marL="0" rtl="0" algn="l">
+              <a:spcBef>
+                <a:spcPts val="0"/>
+              </a:spcBef>
+              <a:spcAft>
+                <a:spcPts val="0"/>
+              </a:spcAft>
+              <a:buNone/>
+            </a:pPr>
+            <a:r>
+              <a:t/>
+            </a:r>
+            <a:endParaRPr/>
+          </a:p>
+        </p:txBody>
+      </p:sp>
+    </p:spTree>
+  </p:cSld>
+  <p:clrMapOvr>
+    <a:masterClrMapping/>
+  </p:clrMapOvr>
+</p:notes>
+</file>
+
+<file path=ppt/notesSlides/notesSlide9.xml><?xml version="1.0" encoding="utf-8"?>
+<p:notes xmlns:a="http://schemas.openxmlformats.org/drawingml/2006/main" xmlns:r="http://schemas.openxmlformats.org/officeDocument/2006/relationships" xmlns:mc="http://schemas.openxmlformats.org/markup-compatibility/2006" xmlns:mv="urn:schemas-microsoft-com:mac:vml" xmlns:p="http://schemas.openxmlformats.org/presentationml/2006/main" xmlns:c="http://schemas.openxmlformats.org/drawingml/2006/chart" xmlns:dgm="http://schemas.openxmlformats.org/drawingml/2006/diagram" xmlns:o="urn:schemas-microsoft-com:office:office" xmlns:v="urn:schemas-microsoft-com:vml" xmlns:pvml="urn:schemas-microsoft-com:office:powerpoint" xmlns:com="http://schemas.openxmlformats.org/drawingml/2006/compatibility" xmlns:p14="http://schemas.microsoft.com/office/powerpoint/2010/main" xmlns:p15="http://schemas.microsoft.com/office/powerpoint/2012/main" xmlns:ahyp="http://schemas.microsoft.com/office/drawing/2018/hyperlinkcolor" showMasterPhAnim="0" showMasterSp="0">
+  <p:cSld>
+    <p:spTree>
+      <p:nvGrpSpPr>
+        <p:cNvPr id="102" name="Shape 102"/>
+        <p:cNvGrpSpPr/>
+        <p:nvPr/>
+      </p:nvGrpSpPr>
+      <p:grpSpPr>
+        <a:xfrm>
+          <a:off x="0" y="0"/>
+          <a:ext cx="0" cy="0"/>
+          <a:chOff x="0" y="0"/>
+          <a:chExt cx="0" cy="0"/>
+        </a:xfrm>
+      </p:grpSpPr>
+      <p:sp>
+        <p:nvSpPr>
+          <p:cNvPr id="103" name="Google Shape;103;g13b92002acf_0_232:notes"/>
+          <p:cNvSpPr/>
+          <p:nvPr>
+            <p:ph idx="2" type="sldImg"/>
+          </p:nvPr>
+        </p:nvSpPr>
+        <p:spPr>
+          <a:xfrm>
+            <a:off x="381300" y="685800"/>
+            <a:ext cx="6096000" cy="3429000"/>
+          </a:xfrm>
+          <a:custGeom>
+            <a:rect b="b" l="l" r="r" t="t"/>
+            <a:pathLst>
+              <a:path extrusionOk="0" h="120000" w="120000">
+                <a:moveTo>
+                  <a:pt x="0" y="0"/>
+                </a:moveTo>
+                <a:lnTo>
+                  <a:pt x="120000" y="0"/>
+                </a:lnTo>
+                <a:lnTo>
+                  <a:pt x="120000" y="120000"/>
+                </a:lnTo>
+                <a:lnTo>
+                  <a:pt x="0" y="120000"/>
+                </a:lnTo>
+                <a:close/>
+              </a:path>
+            </a:pathLst>
+          </a:custGeom>
+        </p:spPr>
+      </p:sp>
+      <p:sp>
+        <p:nvSpPr>
+          <p:cNvPr id="104" name="Google Shape;104;g13b92002acf_0_232:notes"/>
           <p:cNvSpPr txBox="1"/>
           <p:nvPr>
             <p:ph idx="1" type="body"/>
@@ -6575,6 +7280,654 @@
 </p:sld>
 </file>
 
+<file path=ppt/slides/slide10.xml><?xml version="1.0" encoding="utf-8"?>
+<p:sld xmlns:a="http://schemas.openxmlformats.org/drawingml/2006/main" xmlns:r="http://schemas.openxmlformats.org/officeDocument/2006/relationships" xmlns:mc="http://schemas.openxmlformats.org/markup-compatibility/2006" xmlns:mv="urn:schemas-microsoft-com:mac:vml" xmlns:p="http://schemas.openxmlformats.org/presentationml/2006/main" xmlns:c="http://schemas.openxmlformats.org/drawingml/2006/chart" xmlns:dgm="http://schemas.openxmlformats.org/drawingml/2006/diagram" xmlns:o="urn:schemas-microsoft-com:office:office" xmlns:v="urn:schemas-microsoft-com:vml" xmlns:pvml="urn:schemas-microsoft-com:office:powerpoint" xmlns:com="http://schemas.openxmlformats.org/drawingml/2006/compatibility" xmlns:p14="http://schemas.microsoft.com/office/powerpoint/2010/main" xmlns:p15="http://schemas.microsoft.com/office/powerpoint/2012/main" xmlns:ahyp="http://schemas.microsoft.com/office/drawing/2018/hyperlinkcolor">
+  <p:cSld>
+    <p:bg>
+      <p:bgPr>
+        <a:solidFill>
+          <a:schemeClr val="dk1"/>
+        </a:solidFill>
+      </p:bgPr>
+    </p:bg>
+    <p:spTree>
+      <p:nvGrpSpPr>
+        <p:cNvPr id="113" name="Shape 113"/>
+        <p:cNvGrpSpPr/>
+        <p:nvPr/>
+      </p:nvGrpSpPr>
+      <p:grpSpPr>
+        <a:xfrm>
+          <a:off x="0" y="0"/>
+          <a:ext cx="0" cy="0"/>
+          <a:chOff x="0" y="0"/>
+          <a:chExt cx="0" cy="0"/>
+        </a:xfrm>
+      </p:grpSpPr>
+      <p:sp>
+        <p:nvSpPr>
+          <p:cNvPr id="114" name="Google Shape;114;p22"/>
+          <p:cNvSpPr txBox="1"/>
+          <p:nvPr>
+            <p:ph type="title"/>
+          </p:nvPr>
+        </p:nvSpPr>
+        <p:spPr>
+          <a:xfrm>
+            <a:off x="3536700" y="97775"/>
+            <a:ext cx="2070600" cy="572700"/>
+          </a:xfrm>
+          <a:prstGeom prst="rect">
+            <a:avLst/>
+          </a:prstGeom>
+        </p:spPr>
+        <p:txBody>
+          <a:bodyPr anchorCtr="0" anchor="t" bIns="91425" lIns="91425" spcFirstLastPara="1" rIns="91425" wrap="square" tIns="91425">
+            <a:normAutofit fontScale="90000"/>
+          </a:bodyPr>
+          <a:lstStyle/>
+          <a:p>
+            <a:pPr indent="0" lvl="0" marL="0" rtl="0" algn="ctr">
+              <a:spcBef>
+                <a:spcPts val="0"/>
+              </a:spcBef>
+              <a:spcAft>
+                <a:spcPts val="0"/>
+              </a:spcAft>
+              <a:buNone/>
+            </a:pPr>
+            <a:r>
+              <a:rPr lang="es" sz="2620">
+                <a:solidFill>
+                  <a:schemeClr val="lt1"/>
+                </a:solidFill>
+              </a:rPr>
+              <a:t>Función</a:t>
+            </a:r>
+            <a:r>
+              <a:rPr lang="es" sz="2620">
+                <a:solidFill>
+                  <a:schemeClr val="lt1"/>
+                </a:solidFill>
+              </a:rPr>
+              <a:t> </a:t>
+            </a:r>
+            <a:r>
+              <a:rPr lang="es" sz="2620">
+                <a:solidFill>
+                  <a:schemeClr val="accent5"/>
+                </a:solidFill>
+              </a:rPr>
+              <a:t>main</a:t>
+            </a:r>
+            <a:endParaRPr>
+              <a:solidFill>
+                <a:schemeClr val="accent5"/>
+              </a:solidFill>
+            </a:endParaRPr>
+          </a:p>
+        </p:txBody>
+      </p:sp>
+      <p:pic>
+        <p:nvPicPr>
+          <p:cNvPr id="115" name="Google Shape;115;p22"/>
+          <p:cNvPicPr preferRelativeResize="0"/>
+          <p:nvPr/>
+        </p:nvPicPr>
+        <p:blipFill>
+          <a:blip r:embed="rId3">
+            <a:alphaModFix/>
+          </a:blip>
+          <a:stretch>
+            <a:fillRect/>
+          </a:stretch>
+        </p:blipFill>
+        <p:spPr>
+          <a:xfrm>
+            <a:off x="324580" y="1308280"/>
+            <a:ext cx="3232925" cy="3180150"/>
+          </a:xfrm>
+          <a:prstGeom prst="rect">
+            <a:avLst/>
+          </a:prstGeom>
+          <a:noFill/>
+          <a:ln>
+            <a:noFill/>
+          </a:ln>
+        </p:spPr>
+      </p:pic>
+      <p:sp>
+        <p:nvSpPr>
+          <p:cNvPr id="116" name="Google Shape;116;p22"/>
+          <p:cNvSpPr txBox="1"/>
+          <p:nvPr>
+            <p:ph type="title"/>
+          </p:nvPr>
+        </p:nvSpPr>
+        <p:spPr>
+          <a:xfrm>
+            <a:off x="-17501" y="703025"/>
+            <a:ext cx="3917100" cy="572700"/>
+          </a:xfrm>
+          <a:prstGeom prst="rect">
+            <a:avLst/>
+          </a:prstGeom>
+        </p:spPr>
+        <p:txBody>
+          <a:bodyPr anchorCtr="0" anchor="t" bIns="91425" lIns="91425" spcFirstLastPara="1" rIns="91425" wrap="square" tIns="91425">
+            <a:normAutofit fontScale="90000"/>
+          </a:bodyPr>
+          <a:lstStyle/>
+          <a:p>
+            <a:pPr indent="0" lvl="0" marL="0" rtl="0" algn="ctr">
+              <a:spcBef>
+                <a:spcPts val="0"/>
+              </a:spcBef>
+              <a:spcAft>
+                <a:spcPts val="0"/>
+              </a:spcAft>
+              <a:buNone/>
+            </a:pPr>
+            <a:r>
+              <a:rPr lang="es" sz="2620">
+                <a:solidFill>
+                  <a:schemeClr val="lt1"/>
+                </a:solidFill>
+              </a:rPr>
+              <a:t>Declaración</a:t>
+            </a:r>
+            <a:r>
+              <a:rPr lang="es" sz="2620">
+                <a:solidFill>
+                  <a:schemeClr val="lt1"/>
+                </a:solidFill>
+              </a:rPr>
+              <a:t> de </a:t>
+            </a:r>
+            <a:r>
+              <a:rPr lang="es" sz="2620">
+                <a:solidFill>
+                  <a:schemeClr val="lt2"/>
+                </a:solidFill>
+              </a:rPr>
+              <a:t>variables</a:t>
+            </a:r>
+            <a:endParaRPr>
+              <a:solidFill>
+                <a:schemeClr val="lt2"/>
+              </a:solidFill>
+            </a:endParaRPr>
+          </a:p>
+        </p:txBody>
+      </p:sp>
+      <p:sp>
+        <p:nvSpPr>
+          <p:cNvPr id="117" name="Google Shape;117;p22"/>
+          <p:cNvSpPr txBox="1"/>
+          <p:nvPr>
+            <p:ph type="title"/>
+          </p:nvPr>
+        </p:nvSpPr>
+        <p:spPr>
+          <a:xfrm>
+            <a:off x="4996274" y="626825"/>
+            <a:ext cx="3917100" cy="572700"/>
+          </a:xfrm>
+          <a:prstGeom prst="rect">
+            <a:avLst/>
+          </a:prstGeom>
+        </p:spPr>
+        <p:txBody>
+          <a:bodyPr anchorCtr="0" anchor="t" bIns="91425" lIns="91425" spcFirstLastPara="1" rIns="91425" wrap="square" tIns="91425">
+            <a:normAutofit fontScale="90000"/>
+          </a:bodyPr>
+          <a:lstStyle/>
+          <a:p>
+            <a:pPr indent="0" lvl="0" marL="0" rtl="0" algn="ctr">
+              <a:spcBef>
+                <a:spcPts val="0"/>
+              </a:spcBef>
+              <a:spcAft>
+                <a:spcPts val="0"/>
+              </a:spcAft>
+              <a:buNone/>
+            </a:pPr>
+            <a:r>
+              <a:rPr lang="es" sz="2620">
+                <a:solidFill>
+                  <a:schemeClr val="lt1"/>
+                </a:solidFill>
+              </a:rPr>
+              <a:t>Colocación</a:t>
+            </a:r>
+            <a:r>
+              <a:rPr lang="es" sz="2620">
+                <a:solidFill>
+                  <a:schemeClr val="lt1"/>
+                </a:solidFill>
+              </a:rPr>
+              <a:t> de los </a:t>
+            </a:r>
+            <a:r>
+              <a:rPr lang="es" sz="2620">
+                <a:solidFill>
+                  <a:schemeClr val="lt2"/>
+                </a:solidFill>
+              </a:rPr>
+              <a:t>barcos</a:t>
+            </a:r>
+            <a:endParaRPr>
+              <a:solidFill>
+                <a:schemeClr val="lt2"/>
+              </a:solidFill>
+            </a:endParaRPr>
+          </a:p>
+        </p:txBody>
+      </p:sp>
+      <p:pic>
+        <p:nvPicPr>
+          <p:cNvPr id="118" name="Google Shape;118;p22"/>
+          <p:cNvPicPr preferRelativeResize="0"/>
+          <p:nvPr/>
+        </p:nvPicPr>
+        <p:blipFill>
+          <a:blip r:embed="rId4">
+            <a:alphaModFix/>
+          </a:blip>
+          <a:stretch>
+            <a:fillRect/>
+          </a:stretch>
+        </p:blipFill>
+        <p:spPr>
+          <a:xfrm>
+            <a:off x="4009525" y="1138775"/>
+            <a:ext cx="4903850" cy="3927425"/>
+          </a:xfrm>
+          <a:prstGeom prst="rect">
+            <a:avLst/>
+          </a:prstGeom>
+          <a:noFill/>
+          <a:ln>
+            <a:noFill/>
+          </a:ln>
+        </p:spPr>
+      </p:pic>
+    </p:spTree>
+  </p:cSld>
+  <p:clrMapOvr>
+    <a:masterClrMapping/>
+  </p:clrMapOvr>
+</p:sld>
+</file>
+
+<file path=ppt/slides/slide11.xml><?xml version="1.0" encoding="utf-8"?>
+<p:sld xmlns:a="http://schemas.openxmlformats.org/drawingml/2006/main" xmlns:r="http://schemas.openxmlformats.org/officeDocument/2006/relationships" xmlns:mc="http://schemas.openxmlformats.org/markup-compatibility/2006" xmlns:mv="urn:schemas-microsoft-com:mac:vml" xmlns:p="http://schemas.openxmlformats.org/presentationml/2006/main" xmlns:c="http://schemas.openxmlformats.org/drawingml/2006/chart" xmlns:dgm="http://schemas.openxmlformats.org/drawingml/2006/diagram" xmlns:o="urn:schemas-microsoft-com:office:office" xmlns:v="urn:schemas-microsoft-com:vml" xmlns:pvml="urn:schemas-microsoft-com:office:powerpoint" xmlns:com="http://schemas.openxmlformats.org/drawingml/2006/compatibility" xmlns:p14="http://schemas.microsoft.com/office/powerpoint/2010/main" xmlns:p15="http://schemas.microsoft.com/office/powerpoint/2012/main" xmlns:ahyp="http://schemas.microsoft.com/office/drawing/2018/hyperlinkcolor">
+  <p:cSld>
+    <p:bg>
+      <p:bgPr>
+        <a:solidFill>
+          <a:schemeClr val="dk1"/>
+        </a:solidFill>
+      </p:bgPr>
+    </p:bg>
+    <p:spTree>
+      <p:nvGrpSpPr>
+        <p:cNvPr id="122" name="Shape 122"/>
+        <p:cNvGrpSpPr/>
+        <p:nvPr/>
+      </p:nvGrpSpPr>
+      <p:grpSpPr>
+        <a:xfrm>
+          <a:off x="0" y="0"/>
+          <a:ext cx="0" cy="0"/>
+          <a:chOff x="0" y="0"/>
+          <a:chExt cx="0" cy="0"/>
+        </a:xfrm>
+      </p:grpSpPr>
+      <p:sp>
+        <p:nvSpPr>
+          <p:cNvPr id="123" name="Google Shape;123;p23"/>
+          <p:cNvSpPr txBox="1"/>
+          <p:nvPr>
+            <p:ph type="title"/>
+          </p:nvPr>
+        </p:nvSpPr>
+        <p:spPr>
+          <a:xfrm>
+            <a:off x="311700" y="101650"/>
+            <a:ext cx="4446900" cy="572700"/>
+          </a:xfrm>
+          <a:prstGeom prst="rect">
+            <a:avLst/>
+          </a:prstGeom>
+        </p:spPr>
+        <p:txBody>
+          <a:bodyPr anchorCtr="0" anchor="ctr" bIns="91425" lIns="91425" spcFirstLastPara="1" rIns="91425" wrap="square" tIns="91425">
+            <a:noAutofit/>
+          </a:bodyPr>
+          <a:lstStyle/>
+          <a:p>
+            <a:pPr indent="0" lvl="0" marL="0" rtl="0" algn="l">
+              <a:spcBef>
+                <a:spcPts val="0"/>
+              </a:spcBef>
+              <a:spcAft>
+                <a:spcPts val="0"/>
+              </a:spcAft>
+              <a:buSzPts val="990"/>
+              <a:buNone/>
+            </a:pPr>
+            <a:r>
+              <a:rPr lang="es" sz="2620">
+                <a:solidFill>
+                  <a:schemeClr val="accent6"/>
+                </a:solidFill>
+              </a:rPr>
+              <a:t>CONCLUSIONES</a:t>
+            </a:r>
+            <a:endParaRPr sz="2620">
+              <a:solidFill>
+                <a:schemeClr val="accent6"/>
+              </a:solidFill>
+            </a:endParaRPr>
+          </a:p>
+        </p:txBody>
+      </p:sp>
+      <p:sp>
+        <p:nvSpPr>
+          <p:cNvPr id="124" name="Google Shape;124;p23"/>
+          <p:cNvSpPr txBox="1"/>
+          <p:nvPr>
+            <p:ph idx="4294967295" type="body"/>
+          </p:nvPr>
+        </p:nvSpPr>
+        <p:spPr>
+          <a:xfrm>
+            <a:off x="311700" y="674350"/>
+            <a:ext cx="8520600" cy="1599600"/>
+          </a:xfrm>
+          <a:prstGeom prst="rect">
+            <a:avLst/>
+          </a:prstGeom>
+        </p:spPr>
+        <p:txBody>
+          <a:bodyPr anchorCtr="0" anchor="t" bIns="91425" lIns="91425" spcFirstLastPara="1" rIns="91425" wrap="square" tIns="91425">
+            <a:noAutofit/>
+          </a:bodyPr>
+          <a:lstStyle/>
+          <a:p>
+            <a:pPr indent="0" lvl="0" marL="0" rtl="0" algn="just">
+              <a:spcBef>
+                <a:spcPts val="0"/>
+              </a:spcBef>
+              <a:spcAft>
+                <a:spcPts val="0"/>
+              </a:spcAft>
+              <a:buNone/>
+            </a:pPr>
+            <a:r>
+              <a:rPr lang="es">
+                <a:solidFill>
+                  <a:schemeClr val="lt1"/>
+                </a:solidFill>
+              </a:rPr>
+              <a:t>El programa fue ejecutado de manera exitosa, cumpliendo con los requerimientos del problema, siguiendo la </a:t>
+            </a:r>
+            <a:r>
+              <a:rPr lang="es">
+                <a:solidFill>
+                  <a:schemeClr val="lt1"/>
+                </a:solidFill>
+              </a:rPr>
+              <a:t>lógica</a:t>
+            </a:r>
+            <a:r>
+              <a:rPr lang="es">
+                <a:solidFill>
+                  <a:schemeClr val="lt1"/>
+                </a:solidFill>
+              </a:rPr>
+              <a:t> y orden especificado, utilizando las </a:t>
+            </a:r>
+            <a:r>
+              <a:rPr lang="es">
+                <a:solidFill>
+                  <a:schemeClr val="lt1"/>
+                </a:solidFill>
+              </a:rPr>
+              <a:t>técnicas</a:t>
+            </a:r>
+            <a:r>
+              <a:rPr lang="es">
+                <a:solidFill>
+                  <a:schemeClr val="lt1"/>
+                </a:solidFill>
+              </a:rPr>
+              <a:t> adecuadas.</a:t>
+            </a:r>
+            <a:endParaRPr>
+              <a:solidFill>
+                <a:schemeClr val="lt1"/>
+              </a:solidFill>
+            </a:endParaRPr>
+          </a:p>
+          <a:p>
+            <a:pPr indent="0" lvl="0" marL="0" rtl="0" algn="just">
+              <a:spcBef>
+                <a:spcPts val="1200"/>
+              </a:spcBef>
+              <a:spcAft>
+                <a:spcPts val="1200"/>
+              </a:spcAft>
+              <a:buNone/>
+            </a:pPr>
+            <a:r>
+              <a:rPr lang="es">
+                <a:solidFill>
+                  <a:schemeClr val="lt1"/>
+                </a:solidFill>
+              </a:rPr>
+              <a:t>Se hicieron las depuraciones necesarias, para dejar la </a:t>
+            </a:r>
+            <a:r>
+              <a:rPr lang="es">
+                <a:solidFill>
+                  <a:schemeClr val="lt1"/>
+                </a:solidFill>
+              </a:rPr>
+              <a:t>versión</a:t>
+            </a:r>
+            <a:r>
+              <a:rPr lang="es">
+                <a:solidFill>
+                  <a:schemeClr val="lt1"/>
+                </a:solidFill>
+              </a:rPr>
+              <a:t> “</a:t>
+            </a:r>
+            <a:r>
+              <a:rPr lang="es">
+                <a:solidFill>
+                  <a:schemeClr val="lt1"/>
+                </a:solidFill>
+              </a:rPr>
+              <a:t>limpia</a:t>
+            </a:r>
+            <a:r>
+              <a:rPr lang="es">
+                <a:solidFill>
+                  <a:schemeClr val="lt1"/>
+                </a:solidFill>
+              </a:rPr>
+              <a:t>”del juego.</a:t>
+            </a:r>
+            <a:endParaRPr>
+              <a:solidFill>
+                <a:schemeClr val="lt1"/>
+              </a:solidFill>
+            </a:endParaRPr>
+          </a:p>
+        </p:txBody>
+      </p:sp>
+      <p:sp>
+        <p:nvSpPr>
+          <p:cNvPr id="125" name="Google Shape;125;p23"/>
+          <p:cNvSpPr txBox="1"/>
+          <p:nvPr>
+            <p:ph type="title"/>
+          </p:nvPr>
+        </p:nvSpPr>
+        <p:spPr>
+          <a:xfrm>
+            <a:off x="386950" y="2431375"/>
+            <a:ext cx="4446900" cy="572700"/>
+          </a:xfrm>
+          <a:prstGeom prst="rect">
+            <a:avLst/>
+          </a:prstGeom>
+        </p:spPr>
+        <p:txBody>
+          <a:bodyPr anchorCtr="0" anchor="ctr" bIns="91425" lIns="91425" spcFirstLastPara="1" rIns="91425" wrap="square" tIns="91425">
+            <a:noAutofit/>
+          </a:bodyPr>
+          <a:lstStyle/>
+          <a:p>
+            <a:pPr indent="0" lvl="0" marL="0" rtl="0" algn="l">
+              <a:spcBef>
+                <a:spcPts val="0"/>
+              </a:spcBef>
+              <a:spcAft>
+                <a:spcPts val="0"/>
+              </a:spcAft>
+              <a:buSzPts val="990"/>
+              <a:buNone/>
+            </a:pPr>
+            <a:r>
+              <a:rPr lang="es" sz="2620">
+                <a:solidFill>
+                  <a:schemeClr val="accent5"/>
+                </a:solidFill>
+              </a:rPr>
+              <a:t>RECOMENDACIONES</a:t>
+            </a:r>
+            <a:endParaRPr sz="2620">
+              <a:solidFill>
+                <a:schemeClr val="accent5"/>
+              </a:solidFill>
+            </a:endParaRPr>
+          </a:p>
+        </p:txBody>
+      </p:sp>
+      <p:sp>
+        <p:nvSpPr>
+          <p:cNvPr id="126" name="Google Shape;126;p23"/>
+          <p:cNvSpPr txBox="1"/>
+          <p:nvPr>
+            <p:ph idx="4294967295" type="body"/>
+          </p:nvPr>
+        </p:nvSpPr>
+        <p:spPr>
+          <a:xfrm>
+            <a:off x="386950" y="3004075"/>
+            <a:ext cx="8520600" cy="1599600"/>
+          </a:xfrm>
+          <a:prstGeom prst="rect">
+            <a:avLst/>
+          </a:prstGeom>
+        </p:spPr>
+        <p:txBody>
+          <a:bodyPr anchorCtr="0" anchor="t" bIns="91425" lIns="91425" spcFirstLastPara="1" rIns="91425" wrap="square" tIns="91425">
+            <a:noAutofit/>
+          </a:bodyPr>
+          <a:lstStyle/>
+          <a:p>
+            <a:pPr indent="0" lvl="0" marL="0" rtl="0" algn="just">
+              <a:spcBef>
+                <a:spcPts val="0"/>
+              </a:spcBef>
+              <a:spcAft>
+                <a:spcPts val="0"/>
+              </a:spcAft>
+              <a:buNone/>
+            </a:pPr>
+            <a:r>
+              <a:rPr lang="es">
+                <a:solidFill>
+                  <a:schemeClr val="lt1"/>
+                </a:solidFill>
+              </a:rPr>
+              <a:t>Para aumentar la cantidad de barcos, se debe de cambiar el valor de la constante </a:t>
+            </a:r>
+            <a:r>
+              <a:rPr lang="es">
+                <a:solidFill>
+                  <a:schemeClr val="lt2"/>
+                </a:solidFill>
+              </a:rPr>
+              <a:t>Nboats, </a:t>
+            </a:r>
+            <a:r>
+              <a:rPr lang="es">
+                <a:solidFill>
+                  <a:schemeClr val="lt1"/>
+                </a:solidFill>
+              </a:rPr>
+              <a:t>pero esto requerirà de aumentar el tamaño del tablero.</a:t>
+            </a:r>
+            <a:endParaRPr>
+              <a:solidFill>
+                <a:schemeClr val="lt1"/>
+              </a:solidFill>
+            </a:endParaRPr>
+          </a:p>
+          <a:p>
+            <a:pPr indent="0" lvl="0" marL="0" rtl="0" algn="just">
+              <a:spcBef>
+                <a:spcPts val="1200"/>
+              </a:spcBef>
+              <a:spcAft>
+                <a:spcPts val="0"/>
+              </a:spcAft>
+              <a:buNone/>
+            </a:pPr>
+            <a:r>
+              <a:t/>
+            </a:r>
+            <a:endParaRPr>
+              <a:solidFill>
+                <a:schemeClr val="lt1"/>
+              </a:solidFill>
+            </a:endParaRPr>
+          </a:p>
+          <a:p>
+            <a:pPr indent="0" lvl="0" marL="0" rtl="0" algn="just">
+              <a:spcBef>
+                <a:spcPts val="1200"/>
+              </a:spcBef>
+              <a:spcAft>
+                <a:spcPts val="1200"/>
+              </a:spcAft>
+              <a:buNone/>
+            </a:pPr>
+            <a:r>
+              <a:t/>
+            </a:r>
+            <a:endParaRPr>
+              <a:solidFill>
+                <a:schemeClr val="lt1"/>
+              </a:solidFill>
+            </a:endParaRPr>
+          </a:p>
+        </p:txBody>
+      </p:sp>
+    </p:spTree>
+  </p:cSld>
+  <p:clrMapOvr>
+    <a:masterClrMapping/>
+  </p:clrMapOvr>
+</p:sld>
+</file>
+
 <file path=ppt/slides/slide2.xml><?xml version="1.0" encoding="utf-8"?>
 <p:sld xmlns:a="http://schemas.openxmlformats.org/drawingml/2006/main" xmlns:r="http://schemas.openxmlformats.org/officeDocument/2006/relationships" xmlns:mc="http://schemas.openxmlformats.org/markup-compatibility/2006" xmlns:mv="urn:schemas-microsoft-com:mac:vml" xmlns:p="http://schemas.openxmlformats.org/presentationml/2006/main" xmlns:c="http://schemas.openxmlformats.org/drawingml/2006/chart" xmlns:dgm="http://schemas.openxmlformats.org/drawingml/2006/diagram" xmlns:o="urn:schemas-microsoft-com:office:office" xmlns:v="urn:schemas-microsoft-com:vml" xmlns:pvml="urn:schemas-microsoft-com:office:powerpoint" xmlns:com="http://schemas.openxmlformats.org/drawingml/2006/compatibility" xmlns:p14="http://schemas.microsoft.com/office/powerpoint/2010/main" xmlns:p15="http://schemas.microsoft.com/office/powerpoint/2012/main" xmlns:ahyp="http://schemas.microsoft.com/office/drawing/2018/hyperlinkcolor">
   <p:cSld>
@@ -7239,11 +8592,19 @@
                   <a:schemeClr val="lt1"/>
                 </a:solidFill>
               </a:rPr>
-              <a:t>DESCRIPCIÓN</a:t>
+              <a:t>DESCRIPCIÓN - </a:t>
+            </a:r>
+            <a:r>
+              <a:rPr lang="es" sz="2820">
+                <a:solidFill>
+                  <a:schemeClr val="lt2"/>
+                </a:solidFill>
+              </a:rPr>
+              <a:t>COLOCACIÓN</a:t>
             </a:r>
             <a:endParaRPr sz="2820">
               <a:solidFill>
-                <a:schemeClr val="lt1"/>
+                <a:schemeClr val="lt2"/>
               </a:solidFill>
             </a:endParaRPr>
           </a:p>
@@ -7272,9 +8633,156 @@
           </a:bodyPr>
           <a:lstStyle/>
           <a:p>
-            <a:pPr indent="0" lvl="0" marL="0" rtl="0" algn="l">
-              <a:spcBef>
-                <a:spcPts val="0"/>
+            <a:pPr indent="0" lvl="0" marL="0" rtl="0" algn="just">
+              <a:spcBef>
+                <a:spcPts val="0"/>
+              </a:spcBef>
+              <a:spcAft>
+                <a:spcPts val="0"/>
+              </a:spcAft>
+              <a:buNone/>
+            </a:pPr>
+            <a:r>
+              <a:rPr lang="es">
+                <a:solidFill>
+                  <a:schemeClr val="lt1"/>
+                </a:solidFill>
+              </a:rPr>
+              <a:t>Al inicio del juego se solicitarán las coordenadas de cada uno de los barcos. Por simplicidad se admitirá que hay </a:t>
+            </a:r>
+            <a:r>
+              <a:rPr b="1" lang="es">
+                <a:solidFill>
+                  <a:schemeClr val="lt2"/>
+                </a:solidFill>
+              </a:rPr>
+              <a:t>4</a:t>
+            </a:r>
+            <a:r>
+              <a:rPr lang="es">
+                <a:solidFill>
+                  <a:schemeClr val="lt1"/>
+                </a:solidFill>
+              </a:rPr>
+              <a:t> barquitos, que cada uno está colocado en una fila, y que el número de casillas que ocupa cada barquito es </a:t>
+            </a:r>
+            <a:r>
+              <a:rPr b="1" lang="es">
+                <a:solidFill>
+                  <a:schemeClr val="accent5"/>
+                </a:solidFill>
+              </a:rPr>
+              <a:t>2</a:t>
+            </a:r>
+            <a:r>
+              <a:rPr lang="es">
+                <a:solidFill>
+                  <a:schemeClr val="lt1"/>
+                </a:solidFill>
+              </a:rPr>
+              <a:t>. </a:t>
+            </a:r>
+            <a:endParaRPr>
+              <a:solidFill>
+                <a:schemeClr val="lt1"/>
+              </a:solidFill>
+            </a:endParaRPr>
+          </a:p>
+          <a:p>
+            <a:pPr indent="0" lvl="0" marL="0" rtl="0" algn="just">
+              <a:spcBef>
+                <a:spcPts val="1200"/>
+              </a:spcBef>
+              <a:spcAft>
+                <a:spcPts val="0"/>
+              </a:spcAft>
+              <a:buNone/>
+            </a:pPr>
+            <a:r>
+              <a:rPr lang="es">
+                <a:solidFill>
+                  <a:schemeClr val="lt1"/>
+                </a:solidFill>
+              </a:rPr>
+              <a:t>Bastará con dar </a:t>
+            </a:r>
+            <a:r>
+              <a:rPr lang="es">
+                <a:solidFill>
+                  <a:schemeClr val="lt2"/>
+                </a:solidFill>
+              </a:rPr>
+              <a:t>una coordenada</a:t>
+            </a:r>
+            <a:r>
+              <a:rPr lang="es">
+                <a:solidFill>
+                  <a:schemeClr val="lt1"/>
+                </a:solidFill>
+              </a:rPr>
+              <a:t> </a:t>
+            </a:r>
+            <a:r>
+              <a:rPr lang="es">
+                <a:solidFill>
+                  <a:schemeClr val="lt1"/>
+                </a:solidFill>
+              </a:rPr>
+              <a:t>admitiendo</a:t>
+            </a:r>
+            <a:r>
+              <a:rPr lang="es">
+                <a:solidFill>
+                  <a:schemeClr val="lt1"/>
+                </a:solidFill>
+              </a:rPr>
+              <a:t> que la segunda casilla ocupada por el barquito se corresponde con la casilla que está situada a la </a:t>
+            </a:r>
+            <a:r>
+              <a:rPr lang="es">
+                <a:solidFill>
+                  <a:schemeClr val="accent5"/>
+                </a:solidFill>
+              </a:rPr>
+              <a:t>derecha</a:t>
+            </a:r>
+            <a:r>
+              <a:rPr lang="es">
+                <a:solidFill>
+                  <a:schemeClr val="lt1"/>
+                </a:solidFill>
+              </a:rPr>
+              <a:t> de la indicada.</a:t>
+            </a:r>
+            <a:endParaRPr>
+              <a:solidFill>
+                <a:schemeClr val="lt1"/>
+              </a:solidFill>
+            </a:endParaRPr>
+          </a:p>
+          <a:p>
+            <a:pPr indent="0" lvl="0" marL="0" rtl="0" algn="just">
+              <a:spcBef>
+                <a:spcPts val="1200"/>
+              </a:spcBef>
+              <a:spcAft>
+                <a:spcPts val="0"/>
+              </a:spcAft>
+              <a:buNone/>
+            </a:pPr>
+            <a:r>
+              <a:t/>
+            </a:r>
+            <a:endParaRPr>
+              <a:solidFill>
+                <a:schemeClr val="lt1"/>
+              </a:solidFill>
+            </a:endParaRPr>
+          </a:p>
+          <a:p>
+            <a:pPr indent="0" lvl="0" marL="0" rtl="0" algn="just">
+              <a:spcBef>
+                <a:spcPts val="1200"/>
               </a:spcBef>
               <a:spcAft>
                 <a:spcPts val="1200"/>
@@ -7300,7 +8808,3196 @@
 </p:sld>
 </file>
 
+<file path=ppt/slides/slide5.xml><?xml version="1.0" encoding="utf-8"?>
+<p:sld xmlns:a="http://schemas.openxmlformats.org/drawingml/2006/main" xmlns:r="http://schemas.openxmlformats.org/officeDocument/2006/relationships" xmlns:mc="http://schemas.openxmlformats.org/markup-compatibility/2006" xmlns:mv="urn:schemas-microsoft-com:mac:vml" xmlns:p="http://schemas.openxmlformats.org/presentationml/2006/main" xmlns:c="http://schemas.openxmlformats.org/drawingml/2006/chart" xmlns:dgm="http://schemas.openxmlformats.org/drawingml/2006/diagram" xmlns:o="urn:schemas-microsoft-com:office:office" xmlns:v="urn:schemas-microsoft-com:vml" xmlns:pvml="urn:schemas-microsoft-com:office:powerpoint" xmlns:com="http://schemas.openxmlformats.org/drawingml/2006/compatibility" xmlns:p14="http://schemas.microsoft.com/office/powerpoint/2010/main" xmlns:p15="http://schemas.microsoft.com/office/powerpoint/2012/main" xmlns:ahyp="http://schemas.microsoft.com/office/drawing/2018/hyperlinkcolor">
+  <p:cSld>
+    <p:bg>
+      <p:bgPr>
+        <a:solidFill>
+          <a:schemeClr val="dk1"/>
+        </a:solidFill>
+      </p:bgPr>
+    </p:bg>
+    <p:spTree>
+      <p:nvGrpSpPr>
+        <p:cNvPr id="82" name="Shape 82"/>
+        <p:cNvGrpSpPr/>
+        <p:nvPr/>
+      </p:nvGrpSpPr>
+      <p:grpSpPr>
+        <a:xfrm>
+          <a:off x="0" y="0"/>
+          <a:ext cx="0" cy="0"/>
+          <a:chOff x="0" y="0"/>
+          <a:chExt cx="0" cy="0"/>
+        </a:xfrm>
+      </p:grpSpPr>
+      <p:sp>
+        <p:nvSpPr>
+          <p:cNvPr id="83" name="Google Shape;83;p17"/>
+          <p:cNvSpPr txBox="1"/>
+          <p:nvPr>
+            <p:ph type="title"/>
+          </p:nvPr>
+        </p:nvSpPr>
+        <p:spPr>
+          <a:xfrm>
+            <a:off x="311700" y="445025"/>
+            <a:ext cx="8520600" cy="572700"/>
+          </a:xfrm>
+          <a:prstGeom prst="rect">
+            <a:avLst/>
+          </a:prstGeom>
+        </p:spPr>
+        <p:txBody>
+          <a:bodyPr anchorCtr="0" anchor="t" bIns="91425" lIns="91425" spcFirstLastPara="1" rIns="91425" wrap="square" tIns="91425">
+            <a:noAutofit/>
+          </a:bodyPr>
+          <a:lstStyle/>
+          <a:p>
+            <a:pPr indent="0" lvl="0" marL="0" rtl="0" algn="l">
+              <a:spcBef>
+                <a:spcPts val="0"/>
+              </a:spcBef>
+              <a:spcAft>
+                <a:spcPts val="0"/>
+              </a:spcAft>
+              <a:buSzPts val="990"/>
+              <a:buNone/>
+            </a:pPr>
+            <a:r>
+              <a:rPr lang="es" sz="2820">
+                <a:solidFill>
+                  <a:schemeClr val="lt1"/>
+                </a:solidFill>
+              </a:rPr>
+              <a:t>DESCRIPCIÓN - </a:t>
+            </a:r>
+            <a:r>
+              <a:rPr lang="es" sz="2820">
+                <a:solidFill>
+                  <a:schemeClr val="accent6"/>
+                </a:solidFill>
+              </a:rPr>
+              <a:t>TURNOS</a:t>
+            </a:r>
+            <a:endParaRPr sz="2820">
+              <a:solidFill>
+                <a:schemeClr val="accent6"/>
+              </a:solidFill>
+            </a:endParaRPr>
+          </a:p>
+        </p:txBody>
+      </p:sp>
+      <p:sp>
+        <p:nvSpPr>
+          <p:cNvPr id="84" name="Google Shape;84;p17"/>
+          <p:cNvSpPr txBox="1"/>
+          <p:nvPr>
+            <p:ph idx="1" type="body"/>
+          </p:nvPr>
+        </p:nvSpPr>
+        <p:spPr>
+          <a:xfrm>
+            <a:off x="311700" y="1152475"/>
+            <a:ext cx="8520600" cy="3416400"/>
+          </a:xfrm>
+          <a:prstGeom prst="rect">
+            <a:avLst/>
+          </a:prstGeom>
+        </p:spPr>
+        <p:txBody>
+          <a:bodyPr anchorCtr="0" anchor="t" bIns="91425" lIns="91425" spcFirstLastPara="1" rIns="91425" wrap="square" tIns="91425">
+            <a:noAutofit/>
+          </a:bodyPr>
+          <a:lstStyle/>
+          <a:p>
+            <a:pPr indent="0" lvl="0" marL="0" rtl="0" algn="just">
+              <a:spcBef>
+                <a:spcPts val="0"/>
+              </a:spcBef>
+              <a:spcAft>
+                <a:spcPts val="0"/>
+              </a:spcAft>
+              <a:buNone/>
+            </a:pPr>
+            <a:r>
+              <a:rPr lang="es">
+                <a:solidFill>
+                  <a:schemeClr val="lt1"/>
+                </a:solidFill>
+              </a:rPr>
+              <a:t>Una vez posicionados los </a:t>
+            </a:r>
+            <a:r>
+              <a:rPr b="1" lang="es">
+                <a:solidFill>
+                  <a:schemeClr val="accent6"/>
+                </a:solidFill>
+              </a:rPr>
+              <a:t>4</a:t>
+            </a:r>
+            <a:r>
+              <a:rPr lang="es">
+                <a:solidFill>
+                  <a:schemeClr val="lt1"/>
+                </a:solidFill>
+              </a:rPr>
+              <a:t> barcos en el tablero comienza el juego. El juego </a:t>
+            </a:r>
+            <a:r>
+              <a:rPr lang="es">
+                <a:solidFill>
+                  <a:schemeClr val="lt1"/>
+                </a:solidFill>
+              </a:rPr>
+              <a:t>consta</a:t>
+            </a:r>
+            <a:r>
+              <a:rPr lang="es">
+                <a:solidFill>
+                  <a:schemeClr val="lt1"/>
+                </a:solidFill>
+              </a:rPr>
+              <a:t> de </a:t>
+            </a:r>
+            <a:r>
+              <a:rPr b="1" lang="es">
+                <a:solidFill>
+                  <a:schemeClr val="accent6"/>
+                </a:solidFill>
+              </a:rPr>
+              <a:t>4</a:t>
+            </a:r>
+            <a:r>
+              <a:rPr lang="es">
+                <a:solidFill>
+                  <a:schemeClr val="lt1"/>
+                </a:solidFill>
+              </a:rPr>
+              <a:t> rondas. En cada ronda el jugador dará las coordenadas de una casilla:</a:t>
+            </a:r>
+            <a:endParaRPr>
+              <a:solidFill>
+                <a:schemeClr val="lt1"/>
+              </a:solidFill>
+            </a:endParaRPr>
+          </a:p>
+          <a:p>
+            <a:pPr indent="-342900" lvl="0" marL="457200" rtl="0" algn="just">
+              <a:spcBef>
+                <a:spcPts val="1200"/>
+              </a:spcBef>
+              <a:spcAft>
+                <a:spcPts val="0"/>
+              </a:spcAft>
+              <a:buClr>
+                <a:schemeClr val="lt1"/>
+              </a:buClr>
+              <a:buSzPts val="1800"/>
+              <a:buChar char="-"/>
+            </a:pPr>
+            <a:r>
+              <a:rPr lang="es">
+                <a:solidFill>
+                  <a:schemeClr val="lt1"/>
+                </a:solidFill>
+              </a:rPr>
+              <a:t>Si la casilla está </a:t>
+            </a:r>
+            <a:r>
+              <a:rPr lang="es">
+                <a:solidFill>
+                  <a:schemeClr val="accent6"/>
+                </a:solidFill>
+              </a:rPr>
+              <a:t>ocupada</a:t>
+            </a:r>
+            <a:r>
+              <a:rPr lang="es">
+                <a:solidFill>
+                  <a:schemeClr val="lt1"/>
+                </a:solidFill>
+              </a:rPr>
+              <a:t> un barco, el barquito se considerará "</a:t>
+            </a:r>
+            <a:r>
+              <a:rPr lang="es">
+                <a:solidFill>
+                  <a:schemeClr val="accent5"/>
+                </a:solidFill>
+              </a:rPr>
+              <a:t>hundido</a:t>
+            </a:r>
+            <a:r>
+              <a:rPr lang="es">
+                <a:solidFill>
+                  <a:schemeClr val="lt1"/>
+                </a:solidFill>
+              </a:rPr>
+              <a:t>"</a:t>
+            </a:r>
+            <a:endParaRPr>
+              <a:solidFill>
+                <a:schemeClr val="lt1"/>
+              </a:solidFill>
+            </a:endParaRPr>
+          </a:p>
+          <a:p>
+            <a:pPr indent="-342900" lvl="0" marL="457200" rtl="0" algn="just">
+              <a:spcBef>
+                <a:spcPts val="0"/>
+              </a:spcBef>
+              <a:spcAft>
+                <a:spcPts val="0"/>
+              </a:spcAft>
+              <a:buClr>
+                <a:schemeClr val="lt1"/>
+              </a:buClr>
+              <a:buSzPts val="1800"/>
+              <a:buChar char="-"/>
+            </a:pPr>
+            <a:r>
+              <a:rPr lang="es">
+                <a:solidFill>
+                  <a:schemeClr val="lt1"/>
+                </a:solidFill>
+              </a:rPr>
+              <a:t>Si la casilla está </a:t>
+            </a:r>
+            <a:r>
+              <a:rPr lang="es">
+                <a:solidFill>
+                  <a:schemeClr val="lt2"/>
+                </a:solidFill>
+              </a:rPr>
+              <a:t>libre</a:t>
+            </a:r>
+            <a:r>
+              <a:rPr lang="es">
+                <a:solidFill>
+                  <a:schemeClr val="lt1"/>
+                </a:solidFill>
+              </a:rPr>
+              <a:t>, no es una casilla válida o está ocupada por un barquito ya hundido, se considerará que el usuario ha </a:t>
+            </a:r>
+            <a:r>
+              <a:rPr lang="es">
+                <a:solidFill>
+                  <a:schemeClr val="accent5"/>
+                </a:solidFill>
+              </a:rPr>
+              <a:t>consumido</a:t>
+            </a:r>
+            <a:r>
+              <a:rPr lang="es">
+                <a:solidFill>
+                  <a:schemeClr val="lt1"/>
+                </a:solidFill>
+              </a:rPr>
+              <a:t> una </a:t>
+            </a:r>
+            <a:r>
+              <a:rPr lang="es">
+                <a:solidFill>
+                  <a:schemeClr val="accent6"/>
+                </a:solidFill>
+              </a:rPr>
+              <a:t>ronda</a:t>
+            </a:r>
+            <a:r>
+              <a:rPr lang="es">
+                <a:solidFill>
+                  <a:schemeClr val="lt1"/>
+                </a:solidFill>
+              </a:rPr>
+              <a:t>.</a:t>
+            </a:r>
+            <a:endParaRPr>
+              <a:solidFill>
+                <a:schemeClr val="lt1"/>
+              </a:solidFill>
+            </a:endParaRPr>
+          </a:p>
+        </p:txBody>
+      </p:sp>
+    </p:spTree>
+  </p:cSld>
+  <p:clrMapOvr>
+    <a:masterClrMapping/>
+  </p:clrMapOvr>
+</p:sld>
+</file>
+
+<file path=ppt/slides/slide6.xml><?xml version="1.0" encoding="utf-8"?>
+<p:sld xmlns:a="http://schemas.openxmlformats.org/drawingml/2006/main" xmlns:r="http://schemas.openxmlformats.org/officeDocument/2006/relationships" xmlns:mc="http://schemas.openxmlformats.org/markup-compatibility/2006" xmlns:mv="urn:schemas-microsoft-com:mac:vml" xmlns:p="http://schemas.openxmlformats.org/presentationml/2006/main" xmlns:c="http://schemas.openxmlformats.org/drawingml/2006/chart" xmlns:dgm="http://schemas.openxmlformats.org/drawingml/2006/diagram" xmlns:o="urn:schemas-microsoft-com:office:office" xmlns:v="urn:schemas-microsoft-com:vml" xmlns:pvml="urn:schemas-microsoft-com:office:powerpoint" xmlns:com="http://schemas.openxmlformats.org/drawingml/2006/compatibility" xmlns:p14="http://schemas.microsoft.com/office/powerpoint/2010/main" xmlns:p15="http://schemas.microsoft.com/office/powerpoint/2012/main" xmlns:ahyp="http://schemas.microsoft.com/office/drawing/2018/hyperlinkcolor">
+  <p:cSld>
+    <p:bg>
+      <p:bgPr>
+        <a:solidFill>
+          <a:schemeClr val="dk1"/>
+        </a:solidFill>
+      </p:bgPr>
+    </p:bg>
+    <p:spTree>
+      <p:nvGrpSpPr>
+        <p:cNvPr id="88" name="Shape 88"/>
+        <p:cNvGrpSpPr/>
+        <p:nvPr/>
+      </p:nvGrpSpPr>
+      <p:grpSpPr>
+        <a:xfrm>
+          <a:off x="0" y="0"/>
+          <a:ext cx="0" cy="0"/>
+          <a:chOff x="0" y="0"/>
+          <a:chExt cx="0" cy="0"/>
+        </a:xfrm>
+      </p:grpSpPr>
+      <p:sp>
+        <p:nvSpPr>
+          <p:cNvPr id="89" name="Google Shape;89;p18"/>
+          <p:cNvSpPr txBox="1"/>
+          <p:nvPr>
+            <p:ph type="title"/>
+          </p:nvPr>
+        </p:nvSpPr>
+        <p:spPr>
+          <a:xfrm>
+            <a:off x="311700" y="445025"/>
+            <a:ext cx="8520600" cy="572700"/>
+          </a:xfrm>
+          <a:prstGeom prst="rect">
+            <a:avLst/>
+          </a:prstGeom>
+        </p:spPr>
+        <p:txBody>
+          <a:bodyPr anchorCtr="0" anchor="t" bIns="91425" lIns="91425" spcFirstLastPara="1" rIns="91425" wrap="square" tIns="91425">
+            <a:noAutofit/>
+          </a:bodyPr>
+          <a:lstStyle/>
+          <a:p>
+            <a:pPr indent="0" lvl="0" marL="0" rtl="0" algn="l">
+              <a:spcBef>
+                <a:spcPts val="0"/>
+              </a:spcBef>
+              <a:spcAft>
+                <a:spcPts val="0"/>
+              </a:spcAft>
+              <a:buSzPts val="990"/>
+              <a:buNone/>
+            </a:pPr>
+            <a:r>
+              <a:rPr lang="es" sz="2820">
+                <a:solidFill>
+                  <a:schemeClr val="lt1"/>
+                </a:solidFill>
+              </a:rPr>
+              <a:t>DESCRIPCIÓN - </a:t>
+            </a:r>
+            <a:r>
+              <a:rPr lang="es" sz="2820">
+                <a:solidFill>
+                  <a:schemeClr val="accent5"/>
+                </a:solidFill>
+              </a:rPr>
+              <a:t>FIN DEL JUEGO</a:t>
+            </a:r>
+            <a:endParaRPr sz="2820">
+              <a:solidFill>
+                <a:schemeClr val="accent5"/>
+              </a:solidFill>
+            </a:endParaRPr>
+          </a:p>
+        </p:txBody>
+      </p:sp>
+      <p:sp>
+        <p:nvSpPr>
+          <p:cNvPr id="90" name="Google Shape;90;p18"/>
+          <p:cNvSpPr txBox="1"/>
+          <p:nvPr>
+            <p:ph idx="1" type="body"/>
+          </p:nvPr>
+        </p:nvSpPr>
+        <p:spPr>
+          <a:xfrm>
+            <a:off x="311700" y="1152475"/>
+            <a:ext cx="8520600" cy="3416400"/>
+          </a:xfrm>
+          <a:prstGeom prst="rect">
+            <a:avLst/>
+          </a:prstGeom>
+        </p:spPr>
+        <p:txBody>
+          <a:bodyPr anchorCtr="0" anchor="t" bIns="91425" lIns="91425" spcFirstLastPara="1" rIns="91425" wrap="square" tIns="91425">
+            <a:noAutofit/>
+          </a:bodyPr>
+          <a:lstStyle/>
+          <a:p>
+            <a:pPr indent="0" lvl="0" marL="0" rtl="0" algn="just">
+              <a:spcBef>
+                <a:spcPts val="0"/>
+              </a:spcBef>
+              <a:spcAft>
+                <a:spcPts val="0"/>
+              </a:spcAft>
+              <a:buNone/>
+            </a:pPr>
+            <a:r>
+              <a:rPr lang="es">
+                <a:solidFill>
+                  <a:schemeClr val="lt1"/>
+                </a:solidFill>
+              </a:rPr>
+              <a:t>El juego </a:t>
+            </a:r>
+            <a:r>
+              <a:rPr lang="es">
+                <a:solidFill>
+                  <a:schemeClr val="accent5"/>
+                </a:solidFill>
+              </a:rPr>
+              <a:t>finaliza</a:t>
+            </a:r>
+            <a:r>
+              <a:rPr lang="es">
+                <a:solidFill>
+                  <a:schemeClr val="lt1"/>
+                </a:solidFill>
+              </a:rPr>
+              <a:t> cuando se han </a:t>
+            </a:r>
+            <a:r>
+              <a:rPr lang="es">
+                <a:solidFill>
+                  <a:schemeClr val="accent5"/>
+                </a:solidFill>
+              </a:rPr>
+              <a:t>hundido</a:t>
+            </a:r>
+            <a:r>
+              <a:rPr lang="es">
+                <a:solidFill>
+                  <a:schemeClr val="lt1"/>
+                </a:solidFill>
+              </a:rPr>
+              <a:t> todos los barcos o se han </a:t>
+            </a:r>
+            <a:r>
+              <a:rPr lang="es">
+                <a:solidFill>
+                  <a:schemeClr val="accent5"/>
+                </a:solidFill>
+              </a:rPr>
+              <a:t>agotado</a:t>
+            </a:r>
+            <a:r>
+              <a:rPr lang="es">
+                <a:solidFill>
+                  <a:schemeClr val="lt1"/>
+                </a:solidFill>
+              </a:rPr>
+              <a:t> todas las </a:t>
+            </a:r>
+            <a:r>
+              <a:rPr lang="es">
+                <a:solidFill>
+                  <a:schemeClr val="accent6"/>
+                </a:solidFill>
+              </a:rPr>
+              <a:t>rondas</a:t>
+            </a:r>
+            <a:r>
+              <a:rPr lang="es">
+                <a:solidFill>
+                  <a:schemeClr val="lt1"/>
+                </a:solidFill>
+              </a:rPr>
+              <a:t>.</a:t>
+            </a:r>
+            <a:endParaRPr>
+              <a:solidFill>
+                <a:schemeClr val="lt1"/>
+              </a:solidFill>
+            </a:endParaRPr>
+          </a:p>
+          <a:p>
+            <a:pPr indent="0" lvl="0" marL="0" rtl="0" algn="just">
+              <a:spcBef>
+                <a:spcPts val="1200"/>
+              </a:spcBef>
+              <a:spcAft>
+                <a:spcPts val="0"/>
+              </a:spcAft>
+              <a:buNone/>
+            </a:pPr>
+            <a:r>
+              <a:rPr lang="es">
+                <a:solidFill>
+                  <a:schemeClr val="lt1"/>
+                </a:solidFill>
+              </a:rPr>
+              <a:t>Una vez finalizado el juego se indicará por pantalla si el jugador ha </a:t>
+            </a:r>
+            <a:r>
+              <a:rPr lang="es">
+                <a:solidFill>
+                  <a:schemeClr val="lt2"/>
+                </a:solidFill>
+              </a:rPr>
+              <a:t>ganado</a:t>
+            </a:r>
+            <a:r>
+              <a:rPr lang="es">
+                <a:solidFill>
+                  <a:schemeClr val="lt1"/>
+                </a:solidFill>
+              </a:rPr>
+              <a:t> o ha </a:t>
+            </a:r>
+            <a:r>
+              <a:rPr lang="es">
+                <a:solidFill>
+                  <a:schemeClr val="lt2"/>
+                </a:solidFill>
+              </a:rPr>
+              <a:t>perdido</a:t>
+            </a:r>
+            <a:r>
+              <a:rPr lang="es">
+                <a:solidFill>
+                  <a:schemeClr val="lt1"/>
+                </a:solidFill>
+              </a:rPr>
+              <a:t>. Si el jugador pierde la partida se mostrará por pantalla la distribución de barcos inicial.</a:t>
+            </a:r>
+            <a:endParaRPr>
+              <a:solidFill>
+                <a:schemeClr val="lt1"/>
+              </a:solidFill>
+            </a:endParaRPr>
+          </a:p>
+          <a:p>
+            <a:pPr indent="0" lvl="0" marL="0" rtl="0" algn="just">
+              <a:spcBef>
+                <a:spcPts val="1200"/>
+              </a:spcBef>
+              <a:spcAft>
+                <a:spcPts val="0"/>
+              </a:spcAft>
+              <a:buNone/>
+            </a:pPr>
+            <a:r>
+              <a:t/>
+            </a:r>
+            <a:endParaRPr>
+              <a:solidFill>
+                <a:schemeClr val="lt1"/>
+              </a:solidFill>
+            </a:endParaRPr>
+          </a:p>
+          <a:p>
+            <a:pPr indent="0" lvl="0" marL="0" rtl="0" algn="just">
+              <a:spcBef>
+                <a:spcPts val="1200"/>
+              </a:spcBef>
+              <a:spcAft>
+                <a:spcPts val="1200"/>
+              </a:spcAft>
+              <a:buNone/>
+            </a:pPr>
+            <a:r>
+              <a:t/>
+            </a:r>
+            <a:endParaRPr>
+              <a:solidFill>
+                <a:schemeClr val="lt1"/>
+              </a:solidFill>
+            </a:endParaRPr>
+          </a:p>
+        </p:txBody>
+      </p:sp>
+    </p:spTree>
+  </p:cSld>
+  <p:clrMapOvr>
+    <a:masterClrMapping/>
+  </p:clrMapOvr>
+</p:sld>
+</file>
+
+<file path=ppt/slides/slide7.xml><?xml version="1.0" encoding="utf-8"?>
+<p:sld xmlns:a="http://schemas.openxmlformats.org/drawingml/2006/main" xmlns:r="http://schemas.openxmlformats.org/officeDocument/2006/relationships" xmlns:mc="http://schemas.openxmlformats.org/markup-compatibility/2006" xmlns:mv="urn:schemas-microsoft-com:mac:vml" xmlns:p="http://schemas.openxmlformats.org/presentationml/2006/main" xmlns:c="http://schemas.openxmlformats.org/drawingml/2006/chart" xmlns:dgm="http://schemas.openxmlformats.org/drawingml/2006/diagram" xmlns:o="urn:schemas-microsoft-com:office:office" xmlns:v="urn:schemas-microsoft-com:vml" xmlns:pvml="urn:schemas-microsoft-com:office:powerpoint" xmlns:com="http://schemas.openxmlformats.org/drawingml/2006/compatibility" xmlns:p14="http://schemas.microsoft.com/office/powerpoint/2010/main" xmlns:p15="http://schemas.microsoft.com/office/powerpoint/2012/main" xmlns:ahyp="http://schemas.microsoft.com/office/drawing/2018/hyperlinkcolor">
+  <p:cSld>
+    <p:spTree>
+      <p:nvGrpSpPr>
+        <p:cNvPr id="94" name="Shape 94"/>
+        <p:cNvGrpSpPr/>
+        <p:nvPr/>
+      </p:nvGrpSpPr>
+      <p:grpSpPr>
+        <a:xfrm>
+          <a:off x="0" y="0"/>
+          <a:ext cx="0" cy="0"/>
+          <a:chOff x="0" y="0"/>
+          <a:chExt cx="0" cy="0"/>
+        </a:xfrm>
+      </p:grpSpPr>
+      <p:sp>
+        <p:nvSpPr>
+          <p:cNvPr id="95" name="Google Shape;95;p19"/>
+          <p:cNvSpPr txBox="1"/>
+          <p:nvPr>
+            <p:ph type="title"/>
+          </p:nvPr>
+        </p:nvSpPr>
+        <p:spPr>
+          <a:xfrm>
+            <a:off x="510450" y="2057400"/>
+            <a:ext cx="8123100" cy="778800"/>
+          </a:xfrm>
+          <a:prstGeom prst="rect">
+            <a:avLst/>
+          </a:prstGeom>
+        </p:spPr>
+        <p:txBody>
+          <a:bodyPr anchorCtr="0" anchor="b" bIns="91425" lIns="91425" spcFirstLastPara="1" rIns="91425" wrap="square" tIns="91425">
+            <a:normAutofit/>
+          </a:bodyPr>
+          <a:lstStyle/>
+          <a:p>
+            <a:pPr indent="0" lvl="0" marL="0" rtl="0" algn="l">
+              <a:spcBef>
+                <a:spcPts val="0"/>
+              </a:spcBef>
+              <a:spcAft>
+                <a:spcPts val="0"/>
+              </a:spcAft>
+              <a:buNone/>
+            </a:pPr>
+            <a:r>
+              <a:rPr lang="es"/>
+              <a:t>Explicación del código fuente</a:t>
+            </a:r>
+            <a:endParaRPr/>
+          </a:p>
+        </p:txBody>
+      </p:sp>
+    </p:spTree>
+  </p:cSld>
+  <p:clrMapOvr>
+    <a:masterClrMapping/>
+  </p:clrMapOvr>
+</p:sld>
+</file>
+
+<file path=ppt/slides/slide8.xml><?xml version="1.0" encoding="utf-8"?>
+<p:sld xmlns:a="http://schemas.openxmlformats.org/drawingml/2006/main" xmlns:r="http://schemas.openxmlformats.org/officeDocument/2006/relationships" xmlns:mc="http://schemas.openxmlformats.org/markup-compatibility/2006" xmlns:mv="urn:schemas-microsoft-com:mac:vml" xmlns:p="http://schemas.openxmlformats.org/presentationml/2006/main" xmlns:c="http://schemas.openxmlformats.org/drawingml/2006/chart" xmlns:dgm="http://schemas.openxmlformats.org/drawingml/2006/diagram" xmlns:o="urn:schemas-microsoft-com:office:office" xmlns:v="urn:schemas-microsoft-com:vml" xmlns:pvml="urn:schemas-microsoft-com:office:powerpoint" xmlns:com="http://schemas.openxmlformats.org/drawingml/2006/compatibility" xmlns:p14="http://schemas.microsoft.com/office/powerpoint/2010/main" xmlns:p15="http://schemas.microsoft.com/office/powerpoint/2012/main" xmlns:ahyp="http://schemas.microsoft.com/office/drawing/2018/hyperlinkcolor">
+  <p:cSld>
+    <p:bg>
+      <p:bgPr>
+        <a:solidFill>
+          <a:schemeClr val="dk1"/>
+        </a:solidFill>
+      </p:bgPr>
+    </p:bg>
+    <p:spTree>
+      <p:nvGrpSpPr>
+        <p:cNvPr id="99" name="Shape 99"/>
+        <p:cNvGrpSpPr/>
+        <p:nvPr/>
+      </p:nvGrpSpPr>
+      <p:grpSpPr>
+        <a:xfrm>
+          <a:off x="0" y="0"/>
+          <a:ext cx="0" cy="0"/>
+          <a:chOff x="0" y="0"/>
+          <a:chExt cx="0" cy="0"/>
+        </a:xfrm>
+      </p:grpSpPr>
+      <p:sp>
+        <p:nvSpPr>
+          <p:cNvPr id="100" name="Google Shape;100;p20"/>
+          <p:cNvSpPr txBox="1"/>
+          <p:nvPr/>
+        </p:nvSpPr>
+        <p:spPr>
+          <a:xfrm>
+            <a:off x="501575" y="1131750"/>
+            <a:ext cx="3215100" cy="3201600"/>
+          </a:xfrm>
+          <a:prstGeom prst="rect">
+            <a:avLst/>
+          </a:prstGeom>
+          <a:noFill/>
+          <a:ln>
+            <a:noFill/>
+          </a:ln>
+        </p:spPr>
+        <p:txBody>
+          <a:bodyPr anchorCtr="0" anchor="t" bIns="91425" lIns="91425" spcFirstLastPara="1" rIns="91425" wrap="square" tIns="91425">
+            <a:spAutoFit/>
+          </a:bodyPr>
+          <a:lstStyle/>
+          <a:p>
+            <a:pPr indent="0" lvl="0" marL="0" rtl="0" algn="l">
+              <a:spcBef>
+                <a:spcPts val="0"/>
+              </a:spcBef>
+              <a:spcAft>
+                <a:spcPts val="0"/>
+              </a:spcAft>
+              <a:buNone/>
+            </a:pPr>
+            <a:r>
+              <a:rPr b="1" lang="es">
+                <a:solidFill>
+                  <a:schemeClr val="lt1"/>
+                </a:solidFill>
+                <a:latin typeface="Inconsolata"/>
+                <a:ea typeface="Inconsolata"/>
+                <a:cs typeface="Inconsolata"/>
+                <a:sym typeface="Inconsolata"/>
+              </a:rPr>
+              <a:t>#</a:t>
+            </a:r>
+            <a:r>
+              <a:rPr b="1" lang="es">
+                <a:solidFill>
+                  <a:schemeClr val="accent5"/>
+                </a:solidFill>
+                <a:latin typeface="Inconsolata"/>
+                <a:ea typeface="Inconsolata"/>
+                <a:cs typeface="Inconsolata"/>
+                <a:sym typeface="Inconsolata"/>
+              </a:rPr>
+              <a:t>include</a:t>
+            </a:r>
+            <a:r>
+              <a:rPr b="1" lang="es">
+                <a:solidFill>
+                  <a:schemeClr val="lt1"/>
+                </a:solidFill>
+                <a:latin typeface="Inconsolata"/>
+                <a:ea typeface="Inconsolata"/>
+                <a:cs typeface="Inconsolata"/>
+                <a:sym typeface="Inconsolata"/>
+              </a:rPr>
+              <a:t> &lt;stdio.h&gt;</a:t>
+            </a:r>
+            <a:endParaRPr b="1">
+              <a:solidFill>
+                <a:schemeClr val="lt1"/>
+              </a:solidFill>
+              <a:latin typeface="Inconsolata"/>
+              <a:ea typeface="Inconsolata"/>
+              <a:cs typeface="Inconsolata"/>
+              <a:sym typeface="Inconsolata"/>
+            </a:endParaRPr>
+          </a:p>
+          <a:p>
+            <a:pPr indent="0" lvl="0" marL="0" rtl="0" algn="l">
+              <a:spcBef>
+                <a:spcPts val="0"/>
+              </a:spcBef>
+              <a:spcAft>
+                <a:spcPts val="0"/>
+              </a:spcAft>
+              <a:buNone/>
+            </a:pPr>
+            <a:r>
+              <a:rPr b="1" lang="es">
+                <a:solidFill>
+                  <a:schemeClr val="lt1"/>
+                </a:solidFill>
+                <a:latin typeface="Inconsolata"/>
+                <a:ea typeface="Inconsolata"/>
+                <a:cs typeface="Inconsolata"/>
+                <a:sym typeface="Inconsolata"/>
+              </a:rPr>
+              <a:t>#</a:t>
+            </a:r>
+            <a:r>
+              <a:rPr b="1" lang="es">
+                <a:solidFill>
+                  <a:schemeClr val="accent5"/>
+                </a:solidFill>
+                <a:latin typeface="Inconsolata"/>
+                <a:ea typeface="Inconsolata"/>
+                <a:cs typeface="Inconsolata"/>
+                <a:sym typeface="Inconsolata"/>
+              </a:rPr>
+              <a:t>include</a:t>
+            </a:r>
+            <a:r>
+              <a:rPr b="1" lang="es">
+                <a:solidFill>
+                  <a:schemeClr val="lt1"/>
+                </a:solidFill>
+                <a:latin typeface="Inconsolata"/>
+                <a:ea typeface="Inconsolata"/>
+                <a:cs typeface="Inconsolata"/>
+                <a:sym typeface="Inconsolata"/>
+              </a:rPr>
+              <a:t> &lt;stdlib.h&gt;</a:t>
+            </a:r>
+            <a:endParaRPr b="1">
+              <a:solidFill>
+                <a:schemeClr val="lt1"/>
+              </a:solidFill>
+              <a:latin typeface="Inconsolata"/>
+              <a:ea typeface="Inconsolata"/>
+              <a:cs typeface="Inconsolata"/>
+              <a:sym typeface="Inconsolata"/>
+            </a:endParaRPr>
+          </a:p>
+          <a:p>
+            <a:pPr indent="0" lvl="0" marL="0" rtl="0" algn="l">
+              <a:spcBef>
+                <a:spcPts val="0"/>
+              </a:spcBef>
+              <a:spcAft>
+                <a:spcPts val="0"/>
+              </a:spcAft>
+              <a:buNone/>
+            </a:pPr>
+            <a:r>
+              <a:t/>
+            </a:r>
+            <a:endParaRPr b="1">
+              <a:solidFill>
+                <a:schemeClr val="lt1"/>
+              </a:solidFill>
+              <a:latin typeface="Inconsolata"/>
+              <a:ea typeface="Inconsolata"/>
+              <a:cs typeface="Inconsolata"/>
+              <a:sym typeface="Inconsolata"/>
+            </a:endParaRPr>
+          </a:p>
+          <a:p>
+            <a:pPr indent="0" lvl="0" marL="0" rtl="0" algn="l">
+              <a:spcBef>
+                <a:spcPts val="0"/>
+              </a:spcBef>
+              <a:spcAft>
+                <a:spcPts val="0"/>
+              </a:spcAft>
+              <a:buNone/>
+            </a:pPr>
+            <a:r>
+              <a:rPr b="1" lang="es">
+                <a:solidFill>
+                  <a:schemeClr val="lt1"/>
+                </a:solidFill>
+                <a:latin typeface="Inconsolata"/>
+                <a:ea typeface="Inconsolata"/>
+                <a:cs typeface="Inconsolata"/>
+                <a:sym typeface="Inconsolata"/>
+              </a:rPr>
+              <a:t>#</a:t>
+            </a:r>
+            <a:r>
+              <a:rPr b="1" lang="es">
+                <a:solidFill>
+                  <a:schemeClr val="accent5"/>
+                </a:solidFill>
+                <a:latin typeface="Inconsolata"/>
+                <a:ea typeface="Inconsolata"/>
+                <a:cs typeface="Inconsolata"/>
+                <a:sym typeface="Inconsolata"/>
+              </a:rPr>
+              <a:t>define</a:t>
+            </a:r>
+            <a:r>
+              <a:rPr b="1" lang="es">
+                <a:solidFill>
+                  <a:schemeClr val="lt1"/>
+                </a:solidFill>
+                <a:latin typeface="Inconsolata"/>
+                <a:ea typeface="Inconsolata"/>
+                <a:cs typeface="Inconsolata"/>
+                <a:sym typeface="Inconsolata"/>
+              </a:rPr>
+              <a:t> ROW </a:t>
+            </a:r>
+            <a:r>
+              <a:rPr b="1" lang="es">
+                <a:solidFill>
+                  <a:schemeClr val="lt2"/>
+                </a:solidFill>
+                <a:latin typeface="Inconsolata"/>
+                <a:ea typeface="Inconsolata"/>
+                <a:cs typeface="Inconsolata"/>
+                <a:sym typeface="Inconsolata"/>
+              </a:rPr>
+              <a:t>8</a:t>
+            </a:r>
+            <a:r>
+              <a:rPr b="1" lang="es">
+                <a:solidFill>
+                  <a:schemeClr val="lt1"/>
+                </a:solidFill>
+                <a:latin typeface="Inconsolata"/>
+                <a:ea typeface="Inconsolata"/>
+                <a:cs typeface="Inconsolata"/>
+                <a:sym typeface="Inconsolata"/>
+              </a:rPr>
+              <a:t> // ROW eq i and x</a:t>
+            </a:r>
+            <a:endParaRPr b="1">
+              <a:solidFill>
+                <a:schemeClr val="lt1"/>
+              </a:solidFill>
+              <a:latin typeface="Inconsolata"/>
+              <a:ea typeface="Inconsolata"/>
+              <a:cs typeface="Inconsolata"/>
+              <a:sym typeface="Inconsolata"/>
+            </a:endParaRPr>
+          </a:p>
+          <a:p>
+            <a:pPr indent="0" lvl="0" marL="0" rtl="0" algn="l">
+              <a:spcBef>
+                <a:spcPts val="0"/>
+              </a:spcBef>
+              <a:spcAft>
+                <a:spcPts val="0"/>
+              </a:spcAft>
+              <a:buNone/>
+            </a:pPr>
+            <a:r>
+              <a:rPr b="1" lang="es">
+                <a:solidFill>
+                  <a:schemeClr val="lt1"/>
+                </a:solidFill>
+                <a:latin typeface="Inconsolata"/>
+                <a:ea typeface="Inconsolata"/>
+                <a:cs typeface="Inconsolata"/>
+                <a:sym typeface="Inconsolata"/>
+              </a:rPr>
+              <a:t>#</a:t>
+            </a:r>
+            <a:r>
+              <a:rPr b="1" lang="es">
+                <a:solidFill>
+                  <a:schemeClr val="accent5"/>
+                </a:solidFill>
+                <a:latin typeface="Inconsolata"/>
+                <a:ea typeface="Inconsolata"/>
+                <a:cs typeface="Inconsolata"/>
+                <a:sym typeface="Inconsolata"/>
+              </a:rPr>
+              <a:t>define</a:t>
+            </a:r>
+            <a:r>
+              <a:rPr b="1" lang="es">
+                <a:solidFill>
+                  <a:schemeClr val="lt1"/>
+                </a:solidFill>
+                <a:latin typeface="Inconsolata"/>
+                <a:ea typeface="Inconsolata"/>
+                <a:cs typeface="Inconsolata"/>
+                <a:sym typeface="Inconsolata"/>
+              </a:rPr>
+              <a:t> COL </a:t>
+            </a:r>
+            <a:r>
+              <a:rPr b="1" lang="es">
+                <a:solidFill>
+                  <a:schemeClr val="lt2"/>
+                </a:solidFill>
+                <a:latin typeface="Inconsolata"/>
+                <a:ea typeface="Inconsolata"/>
+                <a:cs typeface="Inconsolata"/>
+                <a:sym typeface="Inconsolata"/>
+              </a:rPr>
+              <a:t>8</a:t>
+            </a:r>
+            <a:r>
+              <a:rPr b="1" lang="es">
+                <a:solidFill>
+                  <a:schemeClr val="lt1"/>
+                </a:solidFill>
+                <a:latin typeface="Inconsolata"/>
+                <a:ea typeface="Inconsolata"/>
+                <a:cs typeface="Inconsolata"/>
+                <a:sym typeface="Inconsolata"/>
+              </a:rPr>
+              <a:t> // COL eq j and y</a:t>
+            </a:r>
+            <a:endParaRPr b="1">
+              <a:solidFill>
+                <a:schemeClr val="lt1"/>
+              </a:solidFill>
+              <a:latin typeface="Inconsolata"/>
+              <a:ea typeface="Inconsolata"/>
+              <a:cs typeface="Inconsolata"/>
+              <a:sym typeface="Inconsolata"/>
+            </a:endParaRPr>
+          </a:p>
+          <a:p>
+            <a:pPr indent="0" lvl="0" marL="0" rtl="0" algn="l">
+              <a:spcBef>
+                <a:spcPts val="0"/>
+              </a:spcBef>
+              <a:spcAft>
+                <a:spcPts val="0"/>
+              </a:spcAft>
+              <a:buNone/>
+            </a:pPr>
+            <a:r>
+              <a:rPr b="1" lang="es">
+                <a:solidFill>
+                  <a:schemeClr val="lt1"/>
+                </a:solidFill>
+                <a:latin typeface="Inconsolata"/>
+                <a:ea typeface="Inconsolata"/>
+                <a:cs typeface="Inconsolata"/>
+                <a:sym typeface="Inconsolata"/>
+              </a:rPr>
+              <a:t> </a:t>
+            </a:r>
+            <a:endParaRPr b="1">
+              <a:solidFill>
+                <a:schemeClr val="lt1"/>
+              </a:solidFill>
+              <a:latin typeface="Inconsolata"/>
+              <a:ea typeface="Inconsolata"/>
+              <a:cs typeface="Inconsolata"/>
+              <a:sym typeface="Inconsolata"/>
+            </a:endParaRPr>
+          </a:p>
+          <a:p>
+            <a:pPr indent="0" lvl="0" marL="0" rtl="0" algn="l">
+              <a:spcBef>
+                <a:spcPts val="0"/>
+              </a:spcBef>
+              <a:spcAft>
+                <a:spcPts val="0"/>
+              </a:spcAft>
+              <a:buNone/>
+            </a:pPr>
+            <a:r>
+              <a:rPr b="1" lang="es">
+                <a:solidFill>
+                  <a:schemeClr val="lt1"/>
+                </a:solidFill>
+                <a:latin typeface="Inconsolata"/>
+                <a:ea typeface="Inconsolata"/>
+                <a:cs typeface="Inconsolata"/>
+                <a:sym typeface="Inconsolata"/>
+              </a:rPr>
+              <a:t>#</a:t>
+            </a:r>
+            <a:r>
+              <a:rPr b="1" lang="es">
+                <a:solidFill>
+                  <a:schemeClr val="accent5"/>
+                </a:solidFill>
+                <a:latin typeface="Inconsolata"/>
+                <a:ea typeface="Inconsolata"/>
+                <a:cs typeface="Inconsolata"/>
+                <a:sym typeface="Inconsolata"/>
+              </a:rPr>
+              <a:t>define</a:t>
+            </a:r>
+            <a:r>
+              <a:rPr b="1" lang="es">
+                <a:solidFill>
+                  <a:schemeClr val="lt1"/>
+                </a:solidFill>
+                <a:latin typeface="Inconsolata"/>
+                <a:ea typeface="Inconsolata"/>
+                <a:cs typeface="Inconsolata"/>
+                <a:sym typeface="Inconsolata"/>
+              </a:rPr>
+              <a:t> Nboats </a:t>
+            </a:r>
+            <a:r>
+              <a:rPr b="1" lang="es">
+                <a:solidFill>
+                  <a:schemeClr val="lt2"/>
+                </a:solidFill>
+                <a:latin typeface="Inconsolata"/>
+                <a:ea typeface="Inconsolata"/>
+                <a:cs typeface="Inconsolata"/>
+                <a:sym typeface="Inconsolata"/>
+              </a:rPr>
+              <a:t>4</a:t>
+            </a:r>
+            <a:endParaRPr b="1">
+              <a:solidFill>
+                <a:schemeClr val="lt2"/>
+              </a:solidFill>
+              <a:latin typeface="Inconsolata"/>
+              <a:ea typeface="Inconsolata"/>
+              <a:cs typeface="Inconsolata"/>
+              <a:sym typeface="Inconsolata"/>
+            </a:endParaRPr>
+          </a:p>
+          <a:p>
+            <a:pPr indent="0" lvl="0" marL="0" rtl="0" algn="l">
+              <a:spcBef>
+                <a:spcPts val="0"/>
+              </a:spcBef>
+              <a:spcAft>
+                <a:spcPts val="0"/>
+              </a:spcAft>
+              <a:buNone/>
+            </a:pPr>
+            <a:r>
+              <a:t/>
+            </a:r>
+            <a:endParaRPr b="1">
+              <a:solidFill>
+                <a:schemeClr val="lt1"/>
+              </a:solidFill>
+              <a:latin typeface="Inconsolata"/>
+              <a:ea typeface="Inconsolata"/>
+              <a:cs typeface="Inconsolata"/>
+              <a:sym typeface="Inconsolata"/>
+            </a:endParaRPr>
+          </a:p>
+          <a:p>
+            <a:pPr indent="0" lvl="0" marL="0" rtl="0" algn="l">
+              <a:spcBef>
+                <a:spcPts val="0"/>
+              </a:spcBef>
+              <a:spcAft>
+                <a:spcPts val="0"/>
+              </a:spcAft>
+              <a:buNone/>
+            </a:pPr>
+            <a:r>
+              <a:rPr b="1" lang="es">
+                <a:solidFill>
+                  <a:schemeClr val="lt1"/>
+                </a:solidFill>
+                <a:latin typeface="Inconsolata"/>
+                <a:ea typeface="Inconsolata"/>
+                <a:cs typeface="Inconsolata"/>
+                <a:sym typeface="Inconsolata"/>
+              </a:rPr>
+              <a:t>// icons</a:t>
+            </a:r>
+            <a:endParaRPr b="1">
+              <a:solidFill>
+                <a:schemeClr val="lt1"/>
+              </a:solidFill>
+              <a:latin typeface="Inconsolata"/>
+              <a:ea typeface="Inconsolata"/>
+              <a:cs typeface="Inconsolata"/>
+              <a:sym typeface="Inconsolata"/>
+            </a:endParaRPr>
+          </a:p>
+          <a:p>
+            <a:pPr indent="0" lvl="0" marL="0" rtl="0" algn="l">
+              <a:spcBef>
+                <a:spcPts val="0"/>
+              </a:spcBef>
+              <a:spcAft>
+                <a:spcPts val="0"/>
+              </a:spcAft>
+              <a:buNone/>
+            </a:pPr>
+            <a:r>
+              <a:rPr b="1" lang="es">
+                <a:solidFill>
+                  <a:schemeClr val="lt1"/>
+                </a:solidFill>
+                <a:latin typeface="Inconsolata"/>
+                <a:ea typeface="Inconsolata"/>
+                <a:cs typeface="Inconsolata"/>
+                <a:sym typeface="Inconsolata"/>
+              </a:rPr>
+              <a:t>#</a:t>
+            </a:r>
+            <a:r>
+              <a:rPr b="1" lang="es">
+                <a:solidFill>
+                  <a:schemeClr val="accent5"/>
+                </a:solidFill>
+                <a:latin typeface="Inconsolata"/>
+                <a:ea typeface="Inconsolata"/>
+                <a:cs typeface="Inconsolata"/>
+                <a:sym typeface="Inconsolata"/>
+              </a:rPr>
+              <a:t>define</a:t>
+            </a:r>
+            <a:r>
+              <a:rPr b="1" lang="es">
+                <a:solidFill>
+                  <a:schemeClr val="lt1"/>
+                </a:solidFill>
+                <a:latin typeface="Inconsolata"/>
+                <a:ea typeface="Inconsolata"/>
+                <a:cs typeface="Inconsolata"/>
+                <a:sym typeface="Inconsolata"/>
+              </a:rPr>
+              <a:t> SEA </a:t>
+            </a:r>
+            <a:r>
+              <a:rPr b="1" lang="es">
+                <a:solidFill>
+                  <a:schemeClr val="lt2"/>
+                </a:solidFill>
+                <a:latin typeface="Inconsolata"/>
+                <a:ea typeface="Inconsolata"/>
+                <a:cs typeface="Inconsolata"/>
+                <a:sym typeface="Inconsolata"/>
+              </a:rPr>
+              <a:t>'#'</a:t>
+            </a:r>
+            <a:endParaRPr b="1">
+              <a:solidFill>
+                <a:schemeClr val="lt2"/>
+              </a:solidFill>
+              <a:latin typeface="Inconsolata"/>
+              <a:ea typeface="Inconsolata"/>
+              <a:cs typeface="Inconsolata"/>
+              <a:sym typeface="Inconsolata"/>
+            </a:endParaRPr>
+          </a:p>
+          <a:p>
+            <a:pPr indent="0" lvl="0" marL="0" rtl="0" algn="l">
+              <a:spcBef>
+                <a:spcPts val="0"/>
+              </a:spcBef>
+              <a:spcAft>
+                <a:spcPts val="0"/>
+              </a:spcAft>
+              <a:buNone/>
+            </a:pPr>
+            <a:r>
+              <a:rPr b="1" lang="es">
+                <a:solidFill>
+                  <a:schemeClr val="lt1"/>
+                </a:solidFill>
+                <a:latin typeface="Inconsolata"/>
+                <a:ea typeface="Inconsolata"/>
+                <a:cs typeface="Inconsolata"/>
+                <a:sym typeface="Inconsolata"/>
+              </a:rPr>
+              <a:t>#</a:t>
+            </a:r>
+            <a:r>
+              <a:rPr b="1" lang="es">
+                <a:solidFill>
+                  <a:schemeClr val="accent5"/>
+                </a:solidFill>
+                <a:latin typeface="Inconsolata"/>
+                <a:ea typeface="Inconsolata"/>
+                <a:cs typeface="Inconsolata"/>
+                <a:sym typeface="Inconsolata"/>
+              </a:rPr>
+              <a:t>define</a:t>
+            </a:r>
+            <a:r>
+              <a:rPr b="1" lang="es">
+                <a:solidFill>
+                  <a:schemeClr val="lt1"/>
+                </a:solidFill>
+                <a:latin typeface="Inconsolata"/>
+                <a:ea typeface="Inconsolata"/>
+                <a:cs typeface="Inconsolata"/>
+                <a:sym typeface="Inconsolata"/>
+              </a:rPr>
+              <a:t> BOAT </a:t>
+            </a:r>
+            <a:r>
+              <a:rPr b="1" lang="es">
+                <a:solidFill>
+                  <a:schemeClr val="lt2"/>
+                </a:solidFill>
+                <a:latin typeface="Inconsolata"/>
+                <a:ea typeface="Inconsolata"/>
+                <a:cs typeface="Inconsolata"/>
+                <a:sym typeface="Inconsolata"/>
+              </a:rPr>
+              <a:t>' '</a:t>
+            </a:r>
+            <a:endParaRPr b="1">
+              <a:solidFill>
+                <a:schemeClr val="lt2"/>
+              </a:solidFill>
+              <a:latin typeface="Inconsolata"/>
+              <a:ea typeface="Inconsolata"/>
+              <a:cs typeface="Inconsolata"/>
+              <a:sym typeface="Inconsolata"/>
+            </a:endParaRPr>
+          </a:p>
+          <a:p>
+            <a:pPr indent="0" lvl="0" marL="0" rtl="0" algn="l">
+              <a:spcBef>
+                <a:spcPts val="0"/>
+              </a:spcBef>
+              <a:spcAft>
+                <a:spcPts val="0"/>
+              </a:spcAft>
+              <a:buNone/>
+            </a:pPr>
+            <a:r>
+              <a:rPr b="1" lang="es">
+                <a:solidFill>
+                  <a:schemeClr val="lt1"/>
+                </a:solidFill>
+                <a:latin typeface="Inconsolata"/>
+                <a:ea typeface="Inconsolata"/>
+                <a:cs typeface="Inconsolata"/>
+                <a:sym typeface="Inconsolata"/>
+              </a:rPr>
+              <a:t>#</a:t>
+            </a:r>
+            <a:r>
+              <a:rPr b="1" lang="es">
+                <a:solidFill>
+                  <a:schemeClr val="accent5"/>
+                </a:solidFill>
+                <a:latin typeface="Inconsolata"/>
+                <a:ea typeface="Inconsolata"/>
+                <a:cs typeface="Inconsolata"/>
+                <a:sym typeface="Inconsolata"/>
+              </a:rPr>
+              <a:t>define</a:t>
+            </a:r>
+            <a:r>
+              <a:rPr b="1" lang="es">
+                <a:solidFill>
+                  <a:schemeClr val="lt1"/>
+                </a:solidFill>
+                <a:latin typeface="Inconsolata"/>
+                <a:ea typeface="Inconsolata"/>
+                <a:cs typeface="Inconsolata"/>
+                <a:sym typeface="Inconsolata"/>
+              </a:rPr>
+              <a:t> SINK </a:t>
+            </a:r>
+            <a:r>
+              <a:rPr b="1" lang="es">
+                <a:solidFill>
+                  <a:schemeClr val="lt2"/>
+                </a:solidFill>
+                <a:latin typeface="Inconsolata"/>
+                <a:ea typeface="Inconsolata"/>
+                <a:cs typeface="Inconsolata"/>
+                <a:sym typeface="Inconsolata"/>
+              </a:rPr>
+              <a:t>'X'</a:t>
+            </a:r>
+            <a:endParaRPr b="1">
+              <a:solidFill>
+                <a:schemeClr val="lt2"/>
+              </a:solidFill>
+              <a:latin typeface="Inconsolata"/>
+              <a:ea typeface="Inconsolata"/>
+              <a:cs typeface="Inconsolata"/>
+              <a:sym typeface="Inconsolata"/>
+            </a:endParaRPr>
+          </a:p>
+          <a:p>
+            <a:pPr indent="0" lvl="0" marL="0" rtl="0" algn="l">
+              <a:spcBef>
+                <a:spcPts val="0"/>
+              </a:spcBef>
+              <a:spcAft>
+                <a:spcPts val="0"/>
+              </a:spcAft>
+              <a:buNone/>
+            </a:pPr>
+            <a:r>
+              <a:rPr b="1" lang="es">
+                <a:solidFill>
+                  <a:schemeClr val="lt1"/>
+                </a:solidFill>
+                <a:latin typeface="Inconsolata"/>
+                <a:ea typeface="Inconsolata"/>
+                <a:cs typeface="Inconsolata"/>
+                <a:sym typeface="Inconsolata"/>
+              </a:rPr>
+              <a:t>#</a:t>
+            </a:r>
+            <a:r>
+              <a:rPr b="1" lang="es">
+                <a:solidFill>
+                  <a:schemeClr val="accent5"/>
+                </a:solidFill>
+                <a:latin typeface="Inconsolata"/>
+                <a:ea typeface="Inconsolata"/>
+                <a:cs typeface="Inconsolata"/>
+                <a:sym typeface="Inconsolata"/>
+              </a:rPr>
+              <a:t>define</a:t>
+            </a:r>
+            <a:r>
+              <a:rPr b="1" lang="es">
+                <a:solidFill>
+                  <a:schemeClr val="lt1"/>
+                </a:solidFill>
+                <a:latin typeface="Inconsolata"/>
+                <a:ea typeface="Inconsolata"/>
+                <a:cs typeface="Inconsolata"/>
+                <a:sym typeface="Inconsolata"/>
+              </a:rPr>
+              <a:t> BALL </a:t>
+            </a:r>
+            <a:r>
+              <a:rPr b="1" lang="es">
+                <a:solidFill>
+                  <a:schemeClr val="lt2"/>
+                </a:solidFill>
+                <a:latin typeface="Inconsolata"/>
+                <a:ea typeface="Inconsolata"/>
+                <a:cs typeface="Inconsolata"/>
+                <a:sym typeface="Inconsolata"/>
+              </a:rPr>
+              <a:t>'*'</a:t>
+            </a:r>
+            <a:endParaRPr b="1">
+              <a:solidFill>
+                <a:schemeClr val="lt2"/>
+              </a:solidFill>
+              <a:latin typeface="Inconsolata"/>
+              <a:ea typeface="Inconsolata"/>
+              <a:cs typeface="Inconsolata"/>
+              <a:sym typeface="Inconsolata"/>
+            </a:endParaRPr>
+          </a:p>
+          <a:p>
+            <a:pPr indent="0" lvl="0" marL="0" rtl="0" algn="l">
+              <a:spcBef>
+                <a:spcPts val="0"/>
+              </a:spcBef>
+              <a:spcAft>
+                <a:spcPts val="0"/>
+              </a:spcAft>
+              <a:buNone/>
+            </a:pPr>
+            <a:r>
+              <a:t/>
+            </a:r>
+            <a:endParaRPr b="1">
+              <a:solidFill>
+                <a:schemeClr val="lt1"/>
+              </a:solidFill>
+              <a:latin typeface="Inconsolata"/>
+              <a:ea typeface="Inconsolata"/>
+              <a:cs typeface="Inconsolata"/>
+              <a:sym typeface="Inconsolata"/>
+            </a:endParaRPr>
+          </a:p>
+        </p:txBody>
+      </p:sp>
+      <p:sp>
+        <p:nvSpPr>
+          <p:cNvPr id="101" name="Google Shape;101;p20"/>
+          <p:cNvSpPr txBox="1"/>
+          <p:nvPr>
+            <p:ph type="title"/>
+          </p:nvPr>
+        </p:nvSpPr>
+        <p:spPr>
+          <a:xfrm>
+            <a:off x="311700" y="406450"/>
+            <a:ext cx="4446900" cy="572700"/>
+          </a:xfrm>
+          <a:prstGeom prst="rect">
+            <a:avLst/>
+          </a:prstGeom>
+        </p:spPr>
+        <p:txBody>
+          <a:bodyPr anchorCtr="0" anchor="ctr" bIns="91425" lIns="91425" spcFirstLastPara="1" rIns="91425" wrap="square" tIns="91425">
+            <a:noAutofit/>
+          </a:bodyPr>
+          <a:lstStyle/>
+          <a:p>
+            <a:pPr indent="0" lvl="0" marL="0" rtl="0" algn="l">
+              <a:spcBef>
+                <a:spcPts val="0"/>
+              </a:spcBef>
+              <a:spcAft>
+                <a:spcPts val="0"/>
+              </a:spcAft>
+              <a:buSzPts val="990"/>
+              <a:buNone/>
+            </a:pPr>
+            <a:r>
+              <a:rPr lang="es" sz="2620">
+                <a:solidFill>
+                  <a:schemeClr val="lt1"/>
+                </a:solidFill>
+              </a:rPr>
+              <a:t>Directivas del </a:t>
+            </a:r>
+            <a:r>
+              <a:rPr lang="es" sz="2620">
+                <a:solidFill>
+                  <a:schemeClr val="lt2"/>
+                </a:solidFill>
+              </a:rPr>
+              <a:t>preprocesador</a:t>
+            </a:r>
+            <a:endParaRPr sz="2620">
+              <a:solidFill>
+                <a:schemeClr val="lt2"/>
+              </a:solidFill>
+            </a:endParaRPr>
+          </a:p>
+        </p:txBody>
+      </p:sp>
+    </p:spTree>
+  </p:cSld>
+  <p:clrMapOvr>
+    <a:masterClrMapping/>
+  </p:clrMapOvr>
+</p:sld>
+</file>
+
+<file path=ppt/slides/slide9.xml><?xml version="1.0" encoding="utf-8"?>
+<p:sld xmlns:a="http://schemas.openxmlformats.org/drawingml/2006/main" xmlns:r="http://schemas.openxmlformats.org/officeDocument/2006/relationships" xmlns:mc="http://schemas.openxmlformats.org/markup-compatibility/2006" xmlns:mv="urn:schemas-microsoft-com:mac:vml" xmlns:p="http://schemas.openxmlformats.org/presentationml/2006/main" xmlns:c="http://schemas.openxmlformats.org/drawingml/2006/chart" xmlns:dgm="http://schemas.openxmlformats.org/drawingml/2006/diagram" xmlns:o="urn:schemas-microsoft-com:office:office" xmlns:v="urn:schemas-microsoft-com:vml" xmlns:pvml="urn:schemas-microsoft-com:office:powerpoint" xmlns:com="http://schemas.openxmlformats.org/drawingml/2006/compatibility" xmlns:p14="http://schemas.microsoft.com/office/powerpoint/2010/main" xmlns:p15="http://schemas.microsoft.com/office/powerpoint/2012/main" xmlns:ahyp="http://schemas.microsoft.com/office/drawing/2018/hyperlinkcolor">
+  <p:cSld>
+    <p:bg>
+      <p:bgPr>
+        <a:solidFill>
+          <a:schemeClr val="dk1"/>
+        </a:solidFill>
+      </p:bgPr>
+    </p:bg>
+    <p:spTree>
+      <p:nvGrpSpPr>
+        <p:cNvPr id="105" name="Shape 105"/>
+        <p:cNvGrpSpPr/>
+        <p:nvPr/>
+      </p:nvGrpSpPr>
+      <p:grpSpPr>
+        <a:xfrm>
+          <a:off x="0" y="0"/>
+          <a:ext cx="0" cy="0"/>
+          <a:chOff x="0" y="0"/>
+          <a:chExt cx="0" cy="0"/>
+        </a:xfrm>
+      </p:grpSpPr>
+      <p:sp>
+        <p:nvSpPr>
+          <p:cNvPr id="106" name="Google Shape;106;p21"/>
+          <p:cNvSpPr txBox="1"/>
+          <p:nvPr>
+            <p:ph type="title"/>
+          </p:nvPr>
+        </p:nvSpPr>
+        <p:spPr>
+          <a:xfrm>
+            <a:off x="311700" y="445025"/>
+            <a:ext cx="3999900" cy="572700"/>
+          </a:xfrm>
+          <a:prstGeom prst="rect">
+            <a:avLst/>
+          </a:prstGeom>
+        </p:spPr>
+        <p:txBody>
+          <a:bodyPr anchorCtr="0" anchor="t" bIns="91425" lIns="91425" spcFirstLastPara="1" rIns="91425" wrap="square" tIns="91425">
+            <a:normAutofit fontScale="90000"/>
+          </a:bodyPr>
+          <a:lstStyle/>
+          <a:p>
+            <a:pPr indent="0" lvl="0" marL="0" rtl="0" algn="l">
+              <a:spcBef>
+                <a:spcPts val="0"/>
+              </a:spcBef>
+              <a:spcAft>
+                <a:spcPts val="0"/>
+              </a:spcAft>
+              <a:buNone/>
+            </a:pPr>
+            <a:r>
+              <a:rPr lang="es" sz="2620">
+                <a:solidFill>
+                  <a:schemeClr val="lt1"/>
+                </a:solidFill>
+              </a:rPr>
+              <a:t>Función</a:t>
+            </a:r>
+            <a:r>
+              <a:rPr lang="es" sz="2620">
+                <a:solidFill>
+                  <a:schemeClr val="lt1"/>
+                </a:solidFill>
+              </a:rPr>
+              <a:t> </a:t>
+            </a:r>
+            <a:r>
+              <a:rPr lang="es" sz="2620">
+                <a:solidFill>
+                  <a:schemeClr val="accent6"/>
+                </a:solidFill>
+              </a:rPr>
+              <a:t>paint</a:t>
+            </a:r>
+            <a:endParaRPr>
+              <a:solidFill>
+                <a:schemeClr val="accent6"/>
+              </a:solidFill>
+            </a:endParaRPr>
+          </a:p>
+        </p:txBody>
+      </p:sp>
+      <p:sp>
+        <p:nvSpPr>
+          <p:cNvPr id="107" name="Google Shape;107;p21"/>
+          <p:cNvSpPr txBox="1"/>
+          <p:nvPr>
+            <p:ph idx="1" type="body"/>
+          </p:nvPr>
+        </p:nvSpPr>
+        <p:spPr>
+          <a:xfrm>
+            <a:off x="311700" y="1152475"/>
+            <a:ext cx="3999900" cy="3416400"/>
+          </a:xfrm>
+          <a:prstGeom prst="rect">
+            <a:avLst/>
+          </a:prstGeom>
+        </p:spPr>
+        <p:txBody>
+          <a:bodyPr anchorCtr="0" anchor="t" bIns="91425" lIns="91425" spcFirstLastPara="1" rIns="91425" wrap="square" tIns="91425">
+            <a:noAutofit/>
+          </a:bodyPr>
+          <a:lstStyle/>
+          <a:p>
+            <a:pPr indent="0" lvl="0" marL="0" rtl="0" algn="l">
+              <a:spcBef>
+                <a:spcPts val="0"/>
+              </a:spcBef>
+              <a:spcAft>
+                <a:spcPts val="0"/>
+              </a:spcAft>
+              <a:buNone/>
+            </a:pPr>
+            <a:r>
+              <a:rPr b="1" lang="es">
+                <a:solidFill>
+                  <a:schemeClr val="lt2"/>
+                </a:solidFill>
+                <a:latin typeface="Inconsolata"/>
+                <a:ea typeface="Inconsolata"/>
+                <a:cs typeface="Inconsolata"/>
+                <a:sym typeface="Inconsolata"/>
+              </a:rPr>
+              <a:t>void</a:t>
+            </a:r>
+            <a:r>
+              <a:rPr b="1" lang="es">
+                <a:solidFill>
+                  <a:schemeClr val="lt1"/>
+                </a:solidFill>
+                <a:latin typeface="Inconsolata"/>
+                <a:ea typeface="Inconsolata"/>
+                <a:cs typeface="Inconsolata"/>
+                <a:sym typeface="Inconsolata"/>
+              </a:rPr>
+              <a:t> </a:t>
+            </a:r>
+            <a:r>
+              <a:rPr b="1" lang="es">
+                <a:solidFill>
+                  <a:schemeClr val="accent6"/>
+                </a:solidFill>
+                <a:latin typeface="Inconsolata"/>
+                <a:ea typeface="Inconsolata"/>
+                <a:cs typeface="Inconsolata"/>
+                <a:sym typeface="Inconsolata"/>
+              </a:rPr>
+              <a:t>paint</a:t>
+            </a:r>
+            <a:r>
+              <a:rPr b="1" lang="es">
+                <a:solidFill>
+                  <a:schemeClr val="lt1"/>
+                </a:solidFill>
+                <a:latin typeface="Inconsolata"/>
+                <a:ea typeface="Inconsolata"/>
+                <a:cs typeface="Inconsolata"/>
+                <a:sym typeface="Inconsolata"/>
+              </a:rPr>
+              <a:t>(</a:t>
+            </a:r>
+            <a:r>
+              <a:rPr b="1" lang="es">
+                <a:solidFill>
+                  <a:schemeClr val="lt2"/>
+                </a:solidFill>
+                <a:latin typeface="Inconsolata"/>
+                <a:ea typeface="Inconsolata"/>
+                <a:cs typeface="Inconsolata"/>
+                <a:sym typeface="Inconsolata"/>
+              </a:rPr>
+              <a:t>char</a:t>
+            </a:r>
+            <a:r>
+              <a:rPr b="1" lang="es">
+                <a:solidFill>
+                  <a:schemeClr val="lt1"/>
+                </a:solidFill>
+                <a:latin typeface="Inconsolata"/>
+                <a:ea typeface="Inconsolata"/>
+                <a:cs typeface="Inconsolata"/>
+                <a:sym typeface="Inconsolata"/>
+              </a:rPr>
+              <a:t> Board[ROW][COL])</a:t>
+            </a:r>
+            <a:r>
+              <a:rPr b="1" lang="es">
+                <a:solidFill>
+                  <a:schemeClr val="accent5"/>
+                </a:solidFill>
+                <a:latin typeface="Inconsolata"/>
+                <a:ea typeface="Inconsolata"/>
+                <a:cs typeface="Inconsolata"/>
+                <a:sym typeface="Inconsolata"/>
+              </a:rPr>
+              <a:t>{</a:t>
+            </a:r>
+            <a:endParaRPr b="1">
+              <a:solidFill>
+                <a:schemeClr val="accent5"/>
+              </a:solidFill>
+              <a:latin typeface="Inconsolata"/>
+              <a:ea typeface="Inconsolata"/>
+              <a:cs typeface="Inconsolata"/>
+              <a:sym typeface="Inconsolata"/>
+            </a:endParaRPr>
+          </a:p>
+          <a:p>
+            <a:pPr indent="0" lvl="0" marL="0" rtl="0" algn="l">
+              <a:spcBef>
+                <a:spcPts val="0"/>
+              </a:spcBef>
+              <a:spcAft>
+                <a:spcPts val="0"/>
+              </a:spcAft>
+              <a:buNone/>
+            </a:pPr>
+            <a:r>
+              <a:rPr b="1" lang="es">
+                <a:solidFill>
+                  <a:schemeClr val="lt1"/>
+                </a:solidFill>
+                <a:latin typeface="Inconsolata"/>
+                <a:ea typeface="Inconsolata"/>
+                <a:cs typeface="Inconsolata"/>
+                <a:sym typeface="Inconsolata"/>
+              </a:rPr>
+              <a:t> </a:t>
+            </a:r>
+            <a:r>
+              <a:rPr b="1" lang="es">
+                <a:solidFill>
+                  <a:schemeClr val="lt1"/>
+                </a:solidFill>
+                <a:latin typeface="Inconsolata"/>
+                <a:ea typeface="Inconsolata"/>
+                <a:cs typeface="Inconsolata"/>
+                <a:sym typeface="Inconsolata"/>
+              </a:rPr>
+              <a:t> </a:t>
+            </a:r>
+            <a:r>
+              <a:rPr b="1" lang="es">
+                <a:solidFill>
+                  <a:schemeClr val="lt2"/>
+                </a:solidFill>
+                <a:latin typeface="Inconsolata"/>
+                <a:ea typeface="Inconsolata"/>
+                <a:cs typeface="Inconsolata"/>
+                <a:sym typeface="Inconsolata"/>
+              </a:rPr>
+              <a:t>int</a:t>
+            </a:r>
+            <a:r>
+              <a:rPr b="1" lang="es">
+                <a:solidFill>
+                  <a:schemeClr val="lt1"/>
+                </a:solidFill>
+                <a:latin typeface="Inconsolata"/>
+                <a:ea typeface="Inconsolata"/>
+                <a:cs typeface="Inconsolata"/>
+                <a:sym typeface="Inconsolata"/>
+              </a:rPr>
+              <a:t> j , i;</a:t>
+            </a:r>
+            <a:endParaRPr b="1">
+              <a:solidFill>
+                <a:schemeClr val="lt1"/>
+              </a:solidFill>
+              <a:latin typeface="Inconsolata"/>
+              <a:ea typeface="Inconsolata"/>
+              <a:cs typeface="Inconsolata"/>
+              <a:sym typeface="Inconsolata"/>
+            </a:endParaRPr>
+          </a:p>
+          <a:p>
+            <a:pPr indent="0" lvl="0" marL="0" rtl="0" algn="l">
+              <a:spcBef>
+                <a:spcPts val="0"/>
+              </a:spcBef>
+              <a:spcAft>
+                <a:spcPts val="0"/>
+              </a:spcAft>
+              <a:buNone/>
+            </a:pPr>
+            <a:r>
+              <a:rPr b="1" lang="es">
+                <a:solidFill>
+                  <a:schemeClr val="lt1"/>
+                </a:solidFill>
+                <a:latin typeface="Inconsolata"/>
+                <a:ea typeface="Inconsolata"/>
+                <a:cs typeface="Inconsolata"/>
+                <a:sym typeface="Inconsolata"/>
+              </a:rPr>
+              <a:t>  </a:t>
+            </a:r>
+            <a:r>
+              <a:rPr b="1" lang="es">
+                <a:solidFill>
+                  <a:schemeClr val="lt2"/>
+                </a:solidFill>
+                <a:latin typeface="Inconsolata"/>
+                <a:ea typeface="Inconsolata"/>
+                <a:cs typeface="Inconsolata"/>
+                <a:sym typeface="Inconsolata"/>
+              </a:rPr>
+              <a:t>for</a:t>
+            </a:r>
+            <a:r>
+              <a:rPr b="1" lang="es">
+                <a:solidFill>
+                  <a:schemeClr val="lt1"/>
+                </a:solidFill>
+                <a:latin typeface="Inconsolata"/>
+                <a:ea typeface="Inconsolata"/>
+                <a:cs typeface="Inconsolata"/>
+                <a:sym typeface="Inconsolata"/>
+              </a:rPr>
+              <a:t> (i=ROW-1; i &gt;=0; i-- ){</a:t>
+            </a:r>
+            <a:endParaRPr b="1">
+              <a:solidFill>
+                <a:schemeClr val="lt1"/>
+              </a:solidFill>
+              <a:latin typeface="Inconsolata"/>
+              <a:ea typeface="Inconsolata"/>
+              <a:cs typeface="Inconsolata"/>
+              <a:sym typeface="Inconsolata"/>
+            </a:endParaRPr>
+          </a:p>
+          <a:p>
+            <a:pPr indent="0" lvl="0" marL="0" rtl="0" algn="l">
+              <a:spcBef>
+                <a:spcPts val="0"/>
+              </a:spcBef>
+              <a:spcAft>
+                <a:spcPts val="0"/>
+              </a:spcAft>
+              <a:buNone/>
+            </a:pPr>
+            <a:r>
+              <a:rPr b="1" lang="es">
+                <a:solidFill>
+                  <a:schemeClr val="lt1"/>
+                </a:solidFill>
+                <a:latin typeface="Inconsolata"/>
+                <a:ea typeface="Inconsolata"/>
+                <a:cs typeface="Inconsolata"/>
+                <a:sym typeface="Inconsolata"/>
+              </a:rPr>
+              <a:t>    </a:t>
+            </a:r>
+            <a:r>
+              <a:rPr b="1" lang="es">
+                <a:solidFill>
+                  <a:schemeClr val="accent6"/>
+                </a:solidFill>
+                <a:latin typeface="Inconsolata"/>
+                <a:ea typeface="Inconsolata"/>
+                <a:cs typeface="Inconsolata"/>
+                <a:sym typeface="Inconsolata"/>
+              </a:rPr>
+              <a:t>printf</a:t>
+            </a:r>
+            <a:r>
+              <a:rPr b="1" lang="es">
+                <a:solidFill>
+                  <a:schemeClr val="lt1"/>
+                </a:solidFill>
+                <a:latin typeface="Inconsolata"/>
+                <a:ea typeface="Inconsolata"/>
+                <a:cs typeface="Inconsolata"/>
+                <a:sym typeface="Inconsolata"/>
+              </a:rPr>
+              <a:t>("%d ", i);</a:t>
+            </a:r>
+            <a:endParaRPr b="1">
+              <a:solidFill>
+                <a:schemeClr val="lt1"/>
+              </a:solidFill>
+              <a:latin typeface="Inconsolata"/>
+              <a:ea typeface="Inconsolata"/>
+              <a:cs typeface="Inconsolata"/>
+              <a:sym typeface="Inconsolata"/>
+            </a:endParaRPr>
+          </a:p>
+          <a:p>
+            <a:pPr indent="0" lvl="0" marL="0" rtl="0" algn="l">
+              <a:spcBef>
+                <a:spcPts val="0"/>
+              </a:spcBef>
+              <a:spcAft>
+                <a:spcPts val="0"/>
+              </a:spcAft>
+              <a:buNone/>
+            </a:pPr>
+            <a:r>
+              <a:rPr b="1" lang="es">
+                <a:solidFill>
+                  <a:schemeClr val="lt1"/>
+                </a:solidFill>
+                <a:latin typeface="Inconsolata"/>
+                <a:ea typeface="Inconsolata"/>
+                <a:cs typeface="Inconsolata"/>
+                <a:sym typeface="Inconsolata"/>
+              </a:rPr>
+              <a:t>    </a:t>
+            </a:r>
+            <a:r>
+              <a:rPr b="1" lang="es">
+                <a:solidFill>
+                  <a:schemeClr val="lt2"/>
+                </a:solidFill>
+                <a:latin typeface="Inconsolata"/>
+                <a:ea typeface="Inconsolata"/>
+                <a:cs typeface="Inconsolata"/>
+                <a:sym typeface="Inconsolata"/>
+              </a:rPr>
+              <a:t>for</a:t>
+            </a:r>
+            <a:r>
+              <a:rPr b="1" lang="es">
+                <a:solidFill>
+                  <a:schemeClr val="lt1"/>
+                </a:solidFill>
+                <a:latin typeface="Inconsolata"/>
+                <a:ea typeface="Inconsolata"/>
+                <a:cs typeface="Inconsolata"/>
+                <a:sym typeface="Inconsolata"/>
+              </a:rPr>
+              <a:t> (j=0; j &lt; COL; j++){</a:t>
+            </a:r>
+            <a:endParaRPr b="1">
+              <a:solidFill>
+                <a:schemeClr val="lt1"/>
+              </a:solidFill>
+              <a:latin typeface="Inconsolata"/>
+              <a:ea typeface="Inconsolata"/>
+              <a:cs typeface="Inconsolata"/>
+              <a:sym typeface="Inconsolata"/>
+            </a:endParaRPr>
+          </a:p>
+          <a:p>
+            <a:pPr indent="0" lvl="0" marL="0" rtl="0" algn="l">
+              <a:spcBef>
+                <a:spcPts val="0"/>
+              </a:spcBef>
+              <a:spcAft>
+                <a:spcPts val="0"/>
+              </a:spcAft>
+              <a:buNone/>
+            </a:pPr>
+            <a:r>
+              <a:rPr b="1" lang="es">
+                <a:solidFill>
+                  <a:schemeClr val="lt1"/>
+                </a:solidFill>
+                <a:latin typeface="Inconsolata"/>
+                <a:ea typeface="Inconsolata"/>
+                <a:cs typeface="Inconsolata"/>
+                <a:sym typeface="Inconsolata"/>
+              </a:rPr>
+              <a:t>      </a:t>
+            </a:r>
+            <a:r>
+              <a:rPr b="1" lang="es">
+                <a:solidFill>
+                  <a:schemeClr val="accent6"/>
+                </a:solidFill>
+                <a:latin typeface="Inconsolata"/>
+                <a:ea typeface="Inconsolata"/>
+                <a:cs typeface="Inconsolata"/>
+                <a:sym typeface="Inconsolata"/>
+              </a:rPr>
+              <a:t>printf</a:t>
+            </a:r>
+            <a:r>
+              <a:rPr b="1" lang="es">
+                <a:solidFill>
+                  <a:schemeClr val="lt1"/>
+                </a:solidFill>
+                <a:latin typeface="Inconsolata"/>
+                <a:ea typeface="Inconsolata"/>
+                <a:cs typeface="Inconsolata"/>
+                <a:sym typeface="Inconsolata"/>
+              </a:rPr>
+              <a:t>("%c ",Board[i][j]);</a:t>
+            </a:r>
+            <a:endParaRPr b="1">
+              <a:solidFill>
+                <a:schemeClr val="lt1"/>
+              </a:solidFill>
+              <a:latin typeface="Inconsolata"/>
+              <a:ea typeface="Inconsolata"/>
+              <a:cs typeface="Inconsolata"/>
+              <a:sym typeface="Inconsolata"/>
+            </a:endParaRPr>
+          </a:p>
+          <a:p>
+            <a:pPr indent="0" lvl="0" marL="0" rtl="0" algn="l">
+              <a:spcBef>
+                <a:spcPts val="0"/>
+              </a:spcBef>
+              <a:spcAft>
+                <a:spcPts val="0"/>
+              </a:spcAft>
+              <a:buNone/>
+            </a:pPr>
+            <a:r>
+              <a:rPr b="1" lang="es">
+                <a:solidFill>
+                  <a:schemeClr val="lt1"/>
+                </a:solidFill>
+                <a:latin typeface="Inconsolata"/>
+                <a:ea typeface="Inconsolata"/>
+                <a:cs typeface="Inconsolata"/>
+                <a:sym typeface="Inconsolata"/>
+              </a:rPr>
+              <a:t>    }</a:t>
+            </a:r>
+            <a:endParaRPr b="1">
+              <a:solidFill>
+                <a:schemeClr val="lt1"/>
+              </a:solidFill>
+              <a:latin typeface="Inconsolata"/>
+              <a:ea typeface="Inconsolata"/>
+              <a:cs typeface="Inconsolata"/>
+              <a:sym typeface="Inconsolata"/>
+            </a:endParaRPr>
+          </a:p>
+          <a:p>
+            <a:pPr indent="0" lvl="0" marL="0" rtl="0" algn="l">
+              <a:spcBef>
+                <a:spcPts val="0"/>
+              </a:spcBef>
+              <a:spcAft>
+                <a:spcPts val="0"/>
+              </a:spcAft>
+              <a:buNone/>
+            </a:pPr>
+            <a:r>
+              <a:rPr b="1" lang="es">
+                <a:solidFill>
+                  <a:schemeClr val="lt1"/>
+                </a:solidFill>
+                <a:latin typeface="Inconsolata"/>
+                <a:ea typeface="Inconsolata"/>
+                <a:cs typeface="Inconsolata"/>
+                <a:sym typeface="Inconsolata"/>
+              </a:rPr>
+              <a:t>    </a:t>
+            </a:r>
+            <a:r>
+              <a:rPr b="1" lang="es">
+                <a:solidFill>
+                  <a:schemeClr val="accent6"/>
+                </a:solidFill>
+                <a:latin typeface="Inconsolata"/>
+                <a:ea typeface="Inconsolata"/>
+                <a:cs typeface="Inconsolata"/>
+                <a:sym typeface="Inconsolata"/>
+              </a:rPr>
+              <a:t>printf</a:t>
+            </a:r>
+            <a:r>
+              <a:rPr b="1" lang="es">
+                <a:solidFill>
+                  <a:schemeClr val="lt1"/>
+                </a:solidFill>
+                <a:latin typeface="Inconsolata"/>
+                <a:ea typeface="Inconsolata"/>
+                <a:cs typeface="Inconsolata"/>
+                <a:sym typeface="Inconsolata"/>
+              </a:rPr>
+              <a:t>("\n");</a:t>
+            </a:r>
+            <a:endParaRPr b="1">
+              <a:solidFill>
+                <a:schemeClr val="lt1"/>
+              </a:solidFill>
+              <a:latin typeface="Inconsolata"/>
+              <a:ea typeface="Inconsolata"/>
+              <a:cs typeface="Inconsolata"/>
+              <a:sym typeface="Inconsolata"/>
+            </a:endParaRPr>
+          </a:p>
+          <a:p>
+            <a:pPr indent="0" lvl="0" marL="0" rtl="0" algn="l">
+              <a:spcBef>
+                <a:spcPts val="0"/>
+              </a:spcBef>
+              <a:spcAft>
+                <a:spcPts val="0"/>
+              </a:spcAft>
+              <a:buNone/>
+            </a:pPr>
+            <a:r>
+              <a:rPr b="1" lang="es">
+                <a:solidFill>
+                  <a:schemeClr val="lt1"/>
+                </a:solidFill>
+                <a:latin typeface="Inconsolata"/>
+                <a:ea typeface="Inconsolata"/>
+                <a:cs typeface="Inconsolata"/>
+                <a:sym typeface="Inconsolata"/>
+              </a:rPr>
+              <a:t>  }</a:t>
+            </a:r>
+            <a:endParaRPr b="1">
+              <a:solidFill>
+                <a:schemeClr val="lt1"/>
+              </a:solidFill>
+              <a:latin typeface="Inconsolata"/>
+              <a:ea typeface="Inconsolata"/>
+              <a:cs typeface="Inconsolata"/>
+              <a:sym typeface="Inconsolata"/>
+            </a:endParaRPr>
+          </a:p>
+          <a:p>
+            <a:pPr indent="0" lvl="0" marL="0" rtl="0" algn="l">
+              <a:spcBef>
+                <a:spcPts val="0"/>
+              </a:spcBef>
+              <a:spcAft>
+                <a:spcPts val="0"/>
+              </a:spcAft>
+              <a:buNone/>
+            </a:pPr>
+            <a:r>
+              <a:rPr b="1" lang="es">
+                <a:solidFill>
+                  <a:schemeClr val="lt1"/>
+                </a:solidFill>
+                <a:latin typeface="Inconsolata"/>
+                <a:ea typeface="Inconsolata"/>
+                <a:cs typeface="Inconsolata"/>
+                <a:sym typeface="Inconsolata"/>
+              </a:rPr>
+              <a:t>  </a:t>
+            </a:r>
+            <a:r>
+              <a:rPr b="1" lang="es">
+                <a:solidFill>
+                  <a:schemeClr val="accent6"/>
+                </a:solidFill>
+                <a:latin typeface="Inconsolata"/>
+                <a:ea typeface="Inconsolata"/>
+                <a:cs typeface="Inconsolata"/>
+                <a:sym typeface="Inconsolata"/>
+              </a:rPr>
+              <a:t>printf</a:t>
+            </a:r>
+            <a:r>
+              <a:rPr b="1" lang="es">
+                <a:solidFill>
+                  <a:schemeClr val="lt1"/>
+                </a:solidFill>
+                <a:latin typeface="Inconsolata"/>
+                <a:ea typeface="Inconsolata"/>
+                <a:cs typeface="Inconsolata"/>
+                <a:sym typeface="Inconsolata"/>
+              </a:rPr>
+              <a:t>("  ");</a:t>
+            </a:r>
+            <a:endParaRPr b="1">
+              <a:solidFill>
+                <a:schemeClr val="lt1"/>
+              </a:solidFill>
+              <a:latin typeface="Inconsolata"/>
+              <a:ea typeface="Inconsolata"/>
+              <a:cs typeface="Inconsolata"/>
+              <a:sym typeface="Inconsolata"/>
+            </a:endParaRPr>
+          </a:p>
+          <a:p>
+            <a:pPr indent="0" lvl="0" marL="0" rtl="0" algn="l">
+              <a:spcBef>
+                <a:spcPts val="0"/>
+              </a:spcBef>
+              <a:spcAft>
+                <a:spcPts val="0"/>
+              </a:spcAft>
+              <a:buNone/>
+            </a:pPr>
+            <a:r>
+              <a:rPr b="1" lang="es">
+                <a:solidFill>
+                  <a:schemeClr val="lt1"/>
+                </a:solidFill>
+                <a:latin typeface="Inconsolata"/>
+                <a:ea typeface="Inconsolata"/>
+                <a:cs typeface="Inconsolata"/>
+                <a:sym typeface="Inconsolata"/>
+              </a:rPr>
+              <a:t>  </a:t>
+            </a:r>
+            <a:r>
+              <a:rPr b="1" lang="es">
+                <a:solidFill>
+                  <a:schemeClr val="lt2"/>
+                </a:solidFill>
+                <a:latin typeface="Inconsolata"/>
+                <a:ea typeface="Inconsolata"/>
+                <a:cs typeface="Inconsolata"/>
+                <a:sym typeface="Inconsolata"/>
+              </a:rPr>
+              <a:t>for</a:t>
+            </a:r>
+            <a:r>
+              <a:rPr b="1" lang="es">
+                <a:solidFill>
+                  <a:schemeClr val="lt1"/>
+                </a:solidFill>
+                <a:latin typeface="Inconsolata"/>
+                <a:ea typeface="Inconsolata"/>
+                <a:cs typeface="Inconsolata"/>
+                <a:sym typeface="Inconsolata"/>
+              </a:rPr>
+              <a:t>(j=0; j &lt; COL; j++)</a:t>
+            </a:r>
+            <a:endParaRPr b="1">
+              <a:solidFill>
+                <a:schemeClr val="lt1"/>
+              </a:solidFill>
+              <a:latin typeface="Inconsolata"/>
+              <a:ea typeface="Inconsolata"/>
+              <a:cs typeface="Inconsolata"/>
+              <a:sym typeface="Inconsolata"/>
+            </a:endParaRPr>
+          </a:p>
+          <a:p>
+            <a:pPr indent="0" lvl="0" marL="0" rtl="0" algn="l">
+              <a:spcBef>
+                <a:spcPts val="0"/>
+              </a:spcBef>
+              <a:spcAft>
+                <a:spcPts val="0"/>
+              </a:spcAft>
+              <a:buNone/>
+            </a:pPr>
+            <a:r>
+              <a:rPr b="1" lang="es">
+                <a:solidFill>
+                  <a:schemeClr val="lt1"/>
+                </a:solidFill>
+                <a:latin typeface="Inconsolata"/>
+                <a:ea typeface="Inconsolata"/>
+                <a:cs typeface="Inconsolata"/>
+                <a:sym typeface="Inconsolata"/>
+              </a:rPr>
+              <a:t>    </a:t>
+            </a:r>
+            <a:r>
+              <a:rPr b="1" lang="es">
+                <a:solidFill>
+                  <a:schemeClr val="accent6"/>
+                </a:solidFill>
+                <a:latin typeface="Inconsolata"/>
+                <a:ea typeface="Inconsolata"/>
+                <a:cs typeface="Inconsolata"/>
+                <a:sym typeface="Inconsolata"/>
+              </a:rPr>
+              <a:t>printf</a:t>
+            </a:r>
+            <a:r>
+              <a:rPr b="1" lang="es">
+                <a:solidFill>
+                  <a:schemeClr val="lt1"/>
+                </a:solidFill>
+                <a:latin typeface="Inconsolata"/>
+                <a:ea typeface="Inconsolata"/>
+                <a:cs typeface="Inconsolata"/>
+                <a:sym typeface="Inconsolata"/>
+              </a:rPr>
+              <a:t>("%d ",j);</a:t>
+            </a:r>
+            <a:endParaRPr b="1">
+              <a:solidFill>
+                <a:schemeClr val="lt1"/>
+              </a:solidFill>
+              <a:latin typeface="Inconsolata"/>
+              <a:ea typeface="Inconsolata"/>
+              <a:cs typeface="Inconsolata"/>
+              <a:sym typeface="Inconsolata"/>
+            </a:endParaRPr>
+          </a:p>
+          <a:p>
+            <a:pPr indent="0" lvl="0" marL="0" rtl="0" algn="l">
+              <a:spcBef>
+                <a:spcPts val="0"/>
+              </a:spcBef>
+              <a:spcAft>
+                <a:spcPts val="0"/>
+              </a:spcAft>
+              <a:buNone/>
+            </a:pPr>
+            <a:r>
+              <a:rPr b="1" lang="es">
+                <a:solidFill>
+                  <a:schemeClr val="accent5"/>
+                </a:solidFill>
+                <a:latin typeface="Inconsolata"/>
+                <a:ea typeface="Inconsolata"/>
+                <a:cs typeface="Inconsolata"/>
+                <a:sym typeface="Inconsolata"/>
+              </a:rPr>
+              <a:t>}</a:t>
+            </a:r>
+            <a:endParaRPr b="1">
+              <a:solidFill>
+                <a:schemeClr val="accent5"/>
+              </a:solidFill>
+              <a:latin typeface="Inconsolata"/>
+              <a:ea typeface="Inconsolata"/>
+              <a:cs typeface="Inconsolata"/>
+              <a:sym typeface="Inconsolata"/>
+            </a:endParaRPr>
+          </a:p>
+          <a:p>
+            <a:pPr indent="0" lvl="0" marL="0" rtl="0" algn="l">
+              <a:spcBef>
+                <a:spcPts val="0"/>
+              </a:spcBef>
+              <a:spcAft>
+                <a:spcPts val="0"/>
+              </a:spcAft>
+              <a:buNone/>
+            </a:pPr>
+            <a:r>
+              <a:t/>
+            </a:r>
+            <a:endParaRPr b="1">
+              <a:solidFill>
+                <a:schemeClr val="lt1"/>
+              </a:solidFill>
+              <a:latin typeface="Inconsolata"/>
+              <a:ea typeface="Inconsolata"/>
+              <a:cs typeface="Inconsolata"/>
+              <a:sym typeface="Inconsolata"/>
+            </a:endParaRPr>
+          </a:p>
+          <a:p>
+            <a:pPr indent="0" lvl="0" marL="0" rtl="0" algn="l">
+              <a:spcBef>
+                <a:spcPts val="0"/>
+              </a:spcBef>
+              <a:spcAft>
+                <a:spcPts val="0"/>
+              </a:spcAft>
+              <a:buNone/>
+            </a:pPr>
+            <a:r>
+              <a:t/>
+            </a:r>
+            <a:endParaRPr b="1">
+              <a:solidFill>
+                <a:schemeClr val="lt1"/>
+              </a:solidFill>
+              <a:latin typeface="Inconsolata"/>
+              <a:ea typeface="Inconsolata"/>
+              <a:cs typeface="Inconsolata"/>
+              <a:sym typeface="Inconsolata"/>
+            </a:endParaRPr>
+          </a:p>
+        </p:txBody>
+      </p:sp>
+      <p:sp>
+        <p:nvSpPr>
+          <p:cNvPr id="108" name="Google Shape;108;p21"/>
+          <p:cNvSpPr txBox="1"/>
+          <p:nvPr>
+            <p:ph idx="2" type="body"/>
+          </p:nvPr>
+        </p:nvSpPr>
+        <p:spPr>
+          <a:xfrm>
+            <a:off x="4832400" y="1152475"/>
+            <a:ext cx="3999900" cy="3416400"/>
+          </a:xfrm>
+          <a:prstGeom prst="rect">
+            <a:avLst/>
+          </a:prstGeom>
+        </p:spPr>
+        <p:txBody>
+          <a:bodyPr anchorCtr="0" anchor="t" bIns="91425" lIns="91425" spcFirstLastPara="1" rIns="91425" wrap="square" tIns="91425">
+            <a:noAutofit/>
+          </a:bodyPr>
+          <a:lstStyle/>
+          <a:p>
+            <a:pPr indent="0" lvl="0" marL="0" rtl="0" algn="l">
+              <a:lnSpc>
+                <a:spcPct val="115000"/>
+              </a:lnSpc>
+              <a:spcBef>
+                <a:spcPts val="0"/>
+              </a:spcBef>
+              <a:spcAft>
+                <a:spcPts val="0"/>
+              </a:spcAft>
+              <a:buSzPts val="275"/>
+              <a:buNone/>
+            </a:pPr>
+            <a:r>
+              <a:rPr b="1" lang="es">
+                <a:solidFill>
+                  <a:schemeClr val="lt2"/>
+                </a:solidFill>
+                <a:latin typeface="Inconsolata"/>
+                <a:ea typeface="Inconsolata"/>
+                <a:cs typeface="Inconsolata"/>
+                <a:sym typeface="Inconsolata"/>
+              </a:rPr>
+              <a:t>void</a:t>
+            </a:r>
+            <a:r>
+              <a:rPr b="1" lang="es">
+                <a:solidFill>
+                  <a:schemeClr val="lt1"/>
+                </a:solidFill>
+                <a:latin typeface="Inconsolata"/>
+                <a:ea typeface="Inconsolata"/>
+                <a:cs typeface="Inconsolata"/>
+                <a:sym typeface="Inconsolata"/>
+              </a:rPr>
+              <a:t> </a:t>
+            </a:r>
+            <a:r>
+              <a:rPr b="1" lang="es">
+                <a:solidFill>
+                  <a:schemeClr val="accent6"/>
+                </a:solidFill>
+                <a:latin typeface="Inconsolata"/>
+                <a:ea typeface="Inconsolata"/>
+                <a:cs typeface="Inconsolata"/>
+                <a:sym typeface="Inconsolata"/>
+              </a:rPr>
+              <a:t>Board_reset</a:t>
+            </a:r>
+            <a:r>
+              <a:rPr b="1" lang="es">
+                <a:solidFill>
+                  <a:schemeClr val="lt1"/>
+                </a:solidFill>
+                <a:latin typeface="Inconsolata"/>
+                <a:ea typeface="Inconsolata"/>
+                <a:cs typeface="Inconsolata"/>
+                <a:sym typeface="Inconsolata"/>
+              </a:rPr>
+              <a:t>(char Board[ROW][COL])</a:t>
+            </a:r>
+            <a:r>
+              <a:rPr b="1" lang="es">
+                <a:solidFill>
+                  <a:schemeClr val="accent5"/>
+                </a:solidFill>
+                <a:latin typeface="Inconsolata"/>
+                <a:ea typeface="Inconsolata"/>
+                <a:cs typeface="Inconsolata"/>
+                <a:sym typeface="Inconsolata"/>
+              </a:rPr>
+              <a:t>{</a:t>
+            </a:r>
+            <a:endParaRPr b="1">
+              <a:solidFill>
+                <a:schemeClr val="accent5"/>
+              </a:solidFill>
+              <a:latin typeface="Inconsolata"/>
+              <a:ea typeface="Inconsolata"/>
+              <a:cs typeface="Inconsolata"/>
+              <a:sym typeface="Inconsolata"/>
+            </a:endParaRPr>
+          </a:p>
+          <a:p>
+            <a:pPr indent="0" lvl="0" marL="0" rtl="0" algn="l">
+              <a:lnSpc>
+                <a:spcPct val="115000"/>
+              </a:lnSpc>
+              <a:spcBef>
+                <a:spcPts val="0"/>
+              </a:spcBef>
+              <a:spcAft>
+                <a:spcPts val="0"/>
+              </a:spcAft>
+              <a:buSzPts val="275"/>
+              <a:buNone/>
+            </a:pPr>
+            <a:r>
+              <a:rPr b="1" lang="es">
+                <a:solidFill>
+                  <a:schemeClr val="lt1"/>
+                </a:solidFill>
+                <a:latin typeface="Inconsolata"/>
+                <a:ea typeface="Inconsolata"/>
+                <a:cs typeface="Inconsolata"/>
+                <a:sym typeface="Inconsolata"/>
+              </a:rPr>
+              <a:t>  </a:t>
+            </a:r>
+            <a:r>
+              <a:rPr b="1" lang="es">
+                <a:solidFill>
+                  <a:schemeClr val="lt2"/>
+                </a:solidFill>
+                <a:latin typeface="Inconsolata"/>
+                <a:ea typeface="Inconsolata"/>
+                <a:cs typeface="Inconsolata"/>
+                <a:sym typeface="Inconsolata"/>
+              </a:rPr>
+              <a:t>int</a:t>
+            </a:r>
+            <a:r>
+              <a:rPr b="1" lang="es">
+                <a:solidFill>
+                  <a:schemeClr val="lt1"/>
+                </a:solidFill>
+                <a:latin typeface="Inconsolata"/>
+                <a:ea typeface="Inconsolata"/>
+                <a:cs typeface="Inconsolata"/>
+                <a:sym typeface="Inconsolata"/>
+              </a:rPr>
+              <a:t> j , i;</a:t>
+            </a:r>
+            <a:endParaRPr b="1">
+              <a:solidFill>
+                <a:schemeClr val="lt1"/>
+              </a:solidFill>
+              <a:latin typeface="Inconsolata"/>
+              <a:ea typeface="Inconsolata"/>
+              <a:cs typeface="Inconsolata"/>
+              <a:sym typeface="Inconsolata"/>
+            </a:endParaRPr>
+          </a:p>
+          <a:p>
+            <a:pPr indent="0" lvl="0" marL="0" rtl="0" algn="l">
+              <a:lnSpc>
+                <a:spcPct val="115000"/>
+              </a:lnSpc>
+              <a:spcBef>
+                <a:spcPts val="0"/>
+              </a:spcBef>
+              <a:spcAft>
+                <a:spcPts val="0"/>
+              </a:spcAft>
+              <a:buSzPts val="275"/>
+              <a:buNone/>
+            </a:pPr>
+            <a:r>
+              <a:rPr b="1" lang="es">
+                <a:solidFill>
+                  <a:schemeClr val="lt1"/>
+                </a:solidFill>
+                <a:latin typeface="Inconsolata"/>
+                <a:ea typeface="Inconsolata"/>
+                <a:cs typeface="Inconsolata"/>
+                <a:sym typeface="Inconsolata"/>
+              </a:rPr>
+              <a:t>  </a:t>
+            </a:r>
+            <a:r>
+              <a:rPr b="1" lang="es">
+                <a:solidFill>
+                  <a:schemeClr val="lt2"/>
+                </a:solidFill>
+                <a:latin typeface="Inconsolata"/>
+                <a:ea typeface="Inconsolata"/>
+                <a:cs typeface="Inconsolata"/>
+                <a:sym typeface="Inconsolata"/>
+              </a:rPr>
+              <a:t>for</a:t>
+            </a:r>
+            <a:r>
+              <a:rPr b="1" lang="es">
+                <a:solidFill>
+                  <a:schemeClr val="lt1"/>
+                </a:solidFill>
+                <a:latin typeface="Inconsolata"/>
+                <a:ea typeface="Inconsolata"/>
+                <a:cs typeface="Inconsolata"/>
+                <a:sym typeface="Inconsolata"/>
+              </a:rPr>
+              <a:t> (i =0; i &lt; ROW; i++){</a:t>
+            </a:r>
+            <a:endParaRPr b="1">
+              <a:solidFill>
+                <a:schemeClr val="lt1"/>
+              </a:solidFill>
+              <a:latin typeface="Inconsolata"/>
+              <a:ea typeface="Inconsolata"/>
+              <a:cs typeface="Inconsolata"/>
+              <a:sym typeface="Inconsolata"/>
+            </a:endParaRPr>
+          </a:p>
+          <a:p>
+            <a:pPr indent="0" lvl="0" marL="0" rtl="0" algn="l">
+              <a:lnSpc>
+                <a:spcPct val="115000"/>
+              </a:lnSpc>
+              <a:spcBef>
+                <a:spcPts val="0"/>
+              </a:spcBef>
+              <a:spcAft>
+                <a:spcPts val="0"/>
+              </a:spcAft>
+              <a:buSzPts val="275"/>
+              <a:buNone/>
+            </a:pPr>
+            <a:r>
+              <a:rPr b="1" lang="es">
+                <a:solidFill>
+                  <a:schemeClr val="lt1"/>
+                </a:solidFill>
+                <a:latin typeface="Inconsolata"/>
+                <a:ea typeface="Inconsolata"/>
+                <a:cs typeface="Inconsolata"/>
+                <a:sym typeface="Inconsolata"/>
+              </a:rPr>
+              <a:t>    </a:t>
+            </a:r>
+            <a:r>
+              <a:rPr b="1" lang="es">
+                <a:solidFill>
+                  <a:schemeClr val="lt2"/>
+                </a:solidFill>
+                <a:latin typeface="Inconsolata"/>
+                <a:ea typeface="Inconsolata"/>
+                <a:cs typeface="Inconsolata"/>
+                <a:sym typeface="Inconsolata"/>
+              </a:rPr>
+              <a:t>for</a:t>
+            </a:r>
+            <a:r>
+              <a:rPr b="1" lang="es">
+                <a:solidFill>
+                  <a:schemeClr val="lt1"/>
+                </a:solidFill>
+                <a:latin typeface="Inconsolata"/>
+                <a:ea typeface="Inconsolata"/>
+                <a:cs typeface="Inconsolata"/>
+                <a:sym typeface="Inconsolata"/>
+              </a:rPr>
+              <a:t> (j=0; j &lt;COL; j++)</a:t>
+            </a:r>
+            <a:endParaRPr b="1">
+              <a:solidFill>
+                <a:schemeClr val="lt1"/>
+              </a:solidFill>
+              <a:latin typeface="Inconsolata"/>
+              <a:ea typeface="Inconsolata"/>
+              <a:cs typeface="Inconsolata"/>
+              <a:sym typeface="Inconsolata"/>
+            </a:endParaRPr>
+          </a:p>
+          <a:p>
+            <a:pPr indent="0" lvl="0" marL="0" rtl="0" algn="l">
+              <a:lnSpc>
+                <a:spcPct val="115000"/>
+              </a:lnSpc>
+              <a:spcBef>
+                <a:spcPts val="0"/>
+              </a:spcBef>
+              <a:spcAft>
+                <a:spcPts val="0"/>
+              </a:spcAft>
+              <a:buSzPts val="275"/>
+              <a:buNone/>
+            </a:pPr>
+            <a:r>
+              <a:rPr b="1" lang="es">
+                <a:solidFill>
+                  <a:schemeClr val="lt1"/>
+                </a:solidFill>
+                <a:latin typeface="Inconsolata"/>
+                <a:ea typeface="Inconsolata"/>
+                <a:cs typeface="Inconsolata"/>
+                <a:sym typeface="Inconsolata"/>
+              </a:rPr>
+              <a:t>      Board[i][j] = SEA;</a:t>
+            </a:r>
+            <a:endParaRPr b="1">
+              <a:solidFill>
+                <a:schemeClr val="lt1"/>
+              </a:solidFill>
+              <a:latin typeface="Inconsolata"/>
+              <a:ea typeface="Inconsolata"/>
+              <a:cs typeface="Inconsolata"/>
+              <a:sym typeface="Inconsolata"/>
+            </a:endParaRPr>
+          </a:p>
+          <a:p>
+            <a:pPr indent="0" lvl="0" marL="0" rtl="0" algn="l">
+              <a:lnSpc>
+                <a:spcPct val="115000"/>
+              </a:lnSpc>
+              <a:spcBef>
+                <a:spcPts val="0"/>
+              </a:spcBef>
+              <a:spcAft>
+                <a:spcPts val="0"/>
+              </a:spcAft>
+              <a:buSzPts val="275"/>
+              <a:buNone/>
+            </a:pPr>
+            <a:r>
+              <a:rPr b="1" lang="es">
+                <a:solidFill>
+                  <a:schemeClr val="lt1"/>
+                </a:solidFill>
+                <a:latin typeface="Inconsolata"/>
+                <a:ea typeface="Inconsolata"/>
+                <a:cs typeface="Inconsolata"/>
+                <a:sym typeface="Inconsolata"/>
+              </a:rPr>
+              <a:t>  }</a:t>
+            </a:r>
+            <a:endParaRPr b="1">
+              <a:solidFill>
+                <a:schemeClr val="lt1"/>
+              </a:solidFill>
+              <a:latin typeface="Inconsolata"/>
+              <a:ea typeface="Inconsolata"/>
+              <a:cs typeface="Inconsolata"/>
+              <a:sym typeface="Inconsolata"/>
+            </a:endParaRPr>
+          </a:p>
+          <a:p>
+            <a:pPr indent="0" lvl="0" marL="0" rtl="0" algn="l">
+              <a:lnSpc>
+                <a:spcPct val="115000"/>
+              </a:lnSpc>
+              <a:spcBef>
+                <a:spcPts val="0"/>
+              </a:spcBef>
+              <a:spcAft>
+                <a:spcPts val="0"/>
+              </a:spcAft>
+              <a:buSzPts val="275"/>
+              <a:buNone/>
+            </a:pPr>
+            <a:r>
+              <a:rPr b="1" lang="es">
+                <a:solidFill>
+                  <a:schemeClr val="accent5"/>
+                </a:solidFill>
+                <a:latin typeface="Inconsolata"/>
+                <a:ea typeface="Inconsolata"/>
+                <a:cs typeface="Inconsolata"/>
+                <a:sym typeface="Inconsolata"/>
+              </a:rPr>
+              <a:t>}</a:t>
+            </a:r>
+            <a:endParaRPr b="1">
+              <a:solidFill>
+                <a:schemeClr val="accent5"/>
+              </a:solidFill>
+              <a:latin typeface="Inconsolata"/>
+              <a:ea typeface="Inconsolata"/>
+              <a:cs typeface="Inconsolata"/>
+              <a:sym typeface="Inconsolata"/>
+            </a:endParaRPr>
+          </a:p>
+          <a:p>
+            <a:pPr indent="0" lvl="0" marL="0" rtl="0" algn="l">
+              <a:lnSpc>
+                <a:spcPct val="115000"/>
+              </a:lnSpc>
+              <a:spcBef>
+                <a:spcPts val="0"/>
+              </a:spcBef>
+              <a:spcAft>
+                <a:spcPts val="0"/>
+              </a:spcAft>
+              <a:buSzPts val="275"/>
+              <a:buNone/>
+            </a:pPr>
+            <a:r>
+              <a:t/>
+            </a:r>
+            <a:endParaRPr b="1">
+              <a:solidFill>
+                <a:schemeClr val="lt1"/>
+              </a:solidFill>
+              <a:latin typeface="Inconsolata"/>
+              <a:ea typeface="Inconsolata"/>
+              <a:cs typeface="Inconsolata"/>
+              <a:sym typeface="Inconsolata"/>
+            </a:endParaRPr>
+          </a:p>
+        </p:txBody>
+      </p:sp>
+      <p:sp>
+        <p:nvSpPr>
+          <p:cNvPr id="109" name="Google Shape;109;p21"/>
+          <p:cNvSpPr txBox="1"/>
+          <p:nvPr>
+            <p:ph type="title"/>
+          </p:nvPr>
+        </p:nvSpPr>
+        <p:spPr>
+          <a:xfrm>
+            <a:off x="4832400" y="445025"/>
+            <a:ext cx="3999900" cy="572700"/>
+          </a:xfrm>
+          <a:prstGeom prst="rect">
+            <a:avLst/>
+          </a:prstGeom>
+        </p:spPr>
+        <p:txBody>
+          <a:bodyPr anchorCtr="0" anchor="t" bIns="91425" lIns="91425" spcFirstLastPara="1" rIns="91425" wrap="square" tIns="91425">
+            <a:normAutofit fontScale="90000"/>
+          </a:bodyPr>
+          <a:lstStyle/>
+          <a:p>
+            <a:pPr indent="0" lvl="0" marL="0" rtl="0" algn="l">
+              <a:spcBef>
+                <a:spcPts val="0"/>
+              </a:spcBef>
+              <a:spcAft>
+                <a:spcPts val="0"/>
+              </a:spcAft>
+              <a:buNone/>
+            </a:pPr>
+            <a:r>
+              <a:rPr lang="es" sz="2620">
+                <a:solidFill>
+                  <a:schemeClr val="lt1"/>
+                </a:solidFill>
+              </a:rPr>
+              <a:t>Función</a:t>
+            </a:r>
+            <a:r>
+              <a:rPr lang="es" sz="2620">
+                <a:solidFill>
+                  <a:schemeClr val="lt1"/>
+                </a:solidFill>
+              </a:rPr>
+              <a:t> </a:t>
+            </a:r>
+            <a:r>
+              <a:rPr lang="es" sz="2620">
+                <a:solidFill>
+                  <a:schemeClr val="accent6"/>
+                </a:solidFill>
+              </a:rPr>
+              <a:t>Board_reset</a:t>
+            </a:r>
+            <a:endParaRPr>
+              <a:solidFill>
+                <a:schemeClr val="accent6"/>
+              </a:solidFill>
+            </a:endParaRPr>
+          </a:p>
+        </p:txBody>
+      </p:sp>
+    </p:spTree>
+  </p:cSld>
+  <p:clrMapOvr>
+    <a:masterClrMapping/>
+  </p:clrMapOvr>
+</p:sld>
+</file>
+
 <file path=ppt/theme/theme1.xml><?xml version="1.0" encoding="utf-8"?>
+<a:theme xmlns:a="http://schemas.openxmlformats.org/drawingml/2006/main" xmlns:r="http://schemas.openxmlformats.org/officeDocument/2006/relationships" name="Spearmint">
+  <a:themeElements>
+    <a:clrScheme name="Spearmint">
+      <a:dk1>
+        <a:srgbClr val="202729"/>
+      </a:dk1>
+      <a:lt1>
+        <a:srgbClr val="FFFFFF"/>
+      </a:lt1>
+      <a:dk2>
+        <a:srgbClr val="4BA173"/>
+      </a:dk2>
+      <a:lt2>
+        <a:srgbClr val="63D297"/>
+      </a:lt2>
+      <a:accent1>
+        <a:srgbClr val="353744"/>
+      </a:accent1>
+      <a:accent2>
+        <a:srgbClr val="424242"/>
+      </a:accent2>
+      <a:accent3>
+        <a:srgbClr val="616161"/>
+      </a:accent3>
+      <a:accent4>
+        <a:srgbClr val="999999"/>
+      </a:accent4>
+      <a:accent5>
+        <a:srgbClr val="FF5252"/>
+      </a:accent5>
+      <a:accent6>
+        <a:srgbClr val="FFF176"/>
+      </a:accent6>
+      <a:hlink>
+        <a:srgbClr val="FF5252"/>
+      </a:hlink>
+      <a:folHlink>
+        <a:srgbClr val="FF5252"/>
+      </a:folHlink>
+    </a:clrScheme>
+    <a:fontScheme name="Office">
+      <a:majorFont>
+        <a:latin typeface="Arial"/>
+        <a:ea typeface=""/>
+        <a:cs typeface=""/>
+        <a:font script="Jpan" typeface="ＭＳ Ｐゴシック"/>
+        <a:font script="Hang" typeface="맑은 고딕"/>
+        <a:font script="Hans" typeface="宋体"/>
+        <a:font script="Hant" typeface="新細明體"/>
+        <a:font script="Arab" typeface="Times New Roman"/>
+        <a:font script="Hebr" typeface="Times New Roman"/>
+        <a:font script="Thai" typeface="Angsana New"/>
+        <a:font script="Ethi" typeface="Nyala"/>
+        <a:font script="Beng" typeface="Vrinda"/>
+        <a:font script="Gujr" typeface="Shruti"/>
+        <a:font script="Khmr" typeface="MoolBoran"/>
+        <a:font script="Knda" typeface="Tunga"/>
+        <a:font script="Guru" typeface="Raavi"/>
+        <a:font script="Cans" typeface="Euphemia"/>
+        <a:font script="Cher" typeface="Plantagenet Cherokee"/>
+        <a:font script="Yiii" typeface="Microsoft Yi Baiti"/>
+        <a:font script="Tibt" typeface="Microsoft Himalaya"/>
+        <a:font script="Thaa" typeface="MV Boli"/>
+        <a:font script="Deva" typeface="Mangal"/>
+        <a:font script="Telu" typeface="Gautami"/>
+        <a:font script="Taml" typeface="Latha"/>
+        <a:font script="Syrc" typeface="Estrangelo Edessa"/>
+        <a:font script="Orya" typeface="Kalinga"/>
+        <a:font script="Mlym" typeface="Kartika"/>
+        <a:font script="Laoo" typeface="DokChampa"/>
+        <a:font script="Sinh" typeface="Iskoola Pota"/>
+        <a:font script="Mong" typeface="Mongolian Baiti"/>
+        <a:font script="Viet" typeface="Times New Roman"/>
+        <a:font script="Uigh" typeface="Microsoft Uighur"/>
+        <a:font script="Geor" typeface="Sylfaen"/>
+      </a:majorFont>
+      <a:minorFont>
+        <a:latin typeface="Arial"/>
+        <a:ea typeface=""/>
+        <a:cs typeface=""/>
+        <a:font script="Jpan" typeface="ＭＳ Ｐゴシック"/>
+        <a:font script="Hang" typeface="맑은 고딕"/>
+        <a:font script="Hans" typeface="宋体"/>
+        <a:font script="Hant" typeface="新細明體"/>
+        <a:font script="Arab" typeface="Arial"/>
+        <a:font script="Hebr" typeface="Arial"/>
+        <a:font script="Thai" typeface="Cordia New"/>
+        <a:font script="Ethi" typeface="Nyala"/>
+        <a:font script="Beng" typeface="Vrinda"/>
+        <a:font script="Gujr" typeface="Shruti"/>
+        <a:font script="Khmr" typeface="DaunPenh"/>
+        <a:font script="Knda" typeface="Tunga"/>
+        <a:font script="Guru" typeface="Raavi"/>
+        <a:font script="Cans" typeface="Euphemia"/>
+        <a:font script="Cher" typeface="Plantagenet Cherokee"/>
+        <a:font script="Yiii" typeface="Microsoft Yi Baiti"/>
+        <a:font script="Tibt" typeface="Microsoft Himalaya"/>
+        <a:font script="Thaa" typeface="MV Boli"/>
+        <a:font script="Deva" typeface="Mangal"/>
+        <a:font script="Telu" typeface="Gautami"/>
+        <a:font script="Taml" typeface="Latha"/>
+        <a:font script="Syrc" typeface="Estrangelo Edessa"/>
+        <a:font script="Orya" typeface="Kalinga"/>
+        <a:font script="Mlym" typeface="Kartika"/>
+        <a:font script="Laoo" typeface="DokChampa"/>
+        <a:font script="Sinh" typeface="Iskoola Pota"/>
+        <a:font script="Mong" typeface="Mongolian Baiti"/>
+        <a:font script="Viet" typeface="Arial"/>
+        <a:font script="Uigh" typeface="Microsoft Uighur"/>
+        <a:font script="Geor" typeface="Sylfaen"/>
+      </a:minorFont>
+    </a:fontScheme>
+    <a:fmtScheme name="Office">
+      <a:fillStyleLst>
+        <a:solidFill>
+          <a:schemeClr val="phClr"/>
+        </a:solidFill>
+        <a:gradFill rotWithShape="1">
+          <a:gsLst>
+            <a:gs pos="0">
+              <a:schemeClr val="phClr">
+                <a:tint val="50000"/>
+                <a:satMod val="300000"/>
+              </a:schemeClr>
+            </a:gs>
+            <a:gs pos="35000">
+              <a:schemeClr val="phClr">
+                <a:tint val="37000"/>
+                <a:satMod val="300000"/>
+              </a:schemeClr>
+            </a:gs>
+            <a:gs pos="100000">
+              <a:schemeClr val="phClr">
+                <a:tint val="15000"/>
+                <a:satMod val="350000"/>
+              </a:schemeClr>
+            </a:gs>
+          </a:gsLst>
+          <a:lin ang="16200000" scaled="1"/>
+        </a:gradFill>
+        <a:gradFill rotWithShape="1">
+          <a:gsLst>
+            <a:gs pos="0">
+              <a:schemeClr val="phClr">
+                <a:tint val="100000"/>
+                <a:shade val="100000"/>
+                <a:satMod val="130000"/>
+              </a:schemeClr>
+            </a:gs>
+            <a:gs pos="100000">
+              <a:schemeClr val="phClr">
+                <a:tint val="50000"/>
+                <a:shade val="100000"/>
+                <a:satMod val="350000"/>
+              </a:schemeClr>
+            </a:gs>
+          </a:gsLst>
+          <a:lin ang="16200000" scaled="0"/>
+        </a:gradFill>
+      </a:fillStyleLst>
+      <a:lnStyleLst>
+        <a:ln w="9525" cap="flat" cmpd="sng" algn="ctr">
+          <a:solidFill>
+            <a:schemeClr val="phClr">
+              <a:shade val="95000"/>
+              <a:satMod val="105000"/>
+            </a:schemeClr>
+          </a:solidFill>
+          <a:prstDash val="solid"/>
+        </a:ln>
+        <a:ln w="25400" cap="flat" cmpd="sng" algn="ctr">
+          <a:solidFill>
+            <a:schemeClr val="phClr"/>
+          </a:solidFill>
+          <a:prstDash val="solid"/>
+        </a:ln>
+        <a:ln w="38100" cap="flat" cmpd="sng" algn="ctr">
+          <a:solidFill>
+            <a:schemeClr val="phClr"/>
+          </a:solidFill>
+          <a:prstDash val="solid"/>
+        </a:ln>
+      </a:lnStyleLst>
+      <a:effectStyleLst>
+        <a:effectStyle>
+          <a:effectLst>
+            <a:outerShdw blurRad="40000" dist="20000" dir="5400000" rotWithShape="0">
+              <a:srgbClr val="000000">
+                <a:alpha val="38000"/>
+              </a:srgbClr>
+            </a:outerShdw>
+          </a:effectLst>
+        </a:effectStyle>
+        <a:effectStyle>
+          <a:effectLst>
+            <a:outerShdw blurRad="40000" dist="23000" dir="5400000" rotWithShape="0">
+              <a:srgbClr val="000000">
+                <a:alpha val="35000"/>
+              </a:srgbClr>
+            </a:outerShdw>
+          </a:effectLst>
+        </a:effectStyle>
+        <a:effectStyle>
+          <a:effectLst>
+            <a:outerShdw blurRad="40000" dist="23000" dir="5400000" rotWithShape="0">
+              <a:srgbClr val="000000">
+                <a:alpha val="35000"/>
+              </a:srgbClr>
+            </a:outerShdw>
+          </a:effectLst>
+          <a:scene3d>
+            <a:camera prst="orthographicFront">
+              <a:rot lat="0" lon="0" rev="0"/>
+            </a:camera>
+            <a:lightRig rig="threePt" dir="t">
+              <a:rot lat="0" lon="0" rev="1200000"/>
+            </a:lightRig>
+          </a:scene3d>
+          <a:sp3d>
+            <a:bevelT w="63500" h="25400"/>
+          </a:sp3d>
+        </a:effectStyle>
+      </a:effectStyleLst>
+      <a:bgFillStyleLst>
+        <a:solidFill>
+          <a:schemeClr val="phClr"/>
+        </a:solidFill>
+        <a:gradFill rotWithShape="1">
+          <a:gsLst>
+            <a:gs pos="0">
+              <a:schemeClr val="phClr">
+                <a:tint val="40000"/>
+                <a:satMod val="350000"/>
+              </a:schemeClr>
+            </a:gs>
+            <a:gs pos="40000">
+              <a:schemeClr val="phClr">
+                <a:tint val="45000"/>
+                <a:shade val="99000"/>
+                <a:satMod val="350000"/>
+              </a:schemeClr>
+            </a:gs>
+            <a:gs pos="100000">
+              <a:schemeClr val="phClr">
+                <a:shade val="20000"/>
+                <a:satMod val="255000"/>
+              </a:schemeClr>
+            </a:gs>
+          </a:gsLst>
+          <a:path path="circle">
+            <a:fillToRect l="50000" t="-80000" r="50000" b="180000"/>
+          </a:path>
+        </a:gradFill>
+        <a:gradFill rotWithShape="1">
+          <a:gsLst>
+            <a:gs pos="0">
+              <a:schemeClr val="phClr">
+                <a:tint val="80000"/>
+                <a:satMod val="300000"/>
+              </a:schemeClr>
+            </a:gs>
+            <a:gs pos="100000">
+              <a:schemeClr val="phClr">
+                <a:shade val="30000"/>
+                <a:satMod val="200000"/>
+              </a:schemeClr>
+            </a:gs>
+          </a:gsLst>
+          <a:path path="circle">
+            <a:fillToRect l="50000" t="50000" r="50000" b="50000"/>
+          </a:path>
+        </a:gradFill>
+      </a:bgFillStyleLst>
+    </a:fmtScheme>
+  </a:themeElements>
+</a:theme>
+</file>
+
+<file path=ppt/theme/theme2.xml><?xml version="1.0" encoding="utf-8"?>
 <a:theme xmlns:a="http://schemas.openxmlformats.org/drawingml/2006/main" xmlns:r="http://schemas.openxmlformats.org/officeDocument/2006/relationships">
   <a:themeElements>
     <a:clrScheme name="Default">
@@ -7577,283 +12274,4 @@
     </a:fmtScheme>
   </a:themeElements>
 </a:theme>
-</file>
-
-<file path=ppt/theme/theme2.xml><?xml version="1.0" encoding="utf-8"?>
-<a:theme xmlns:a="http://schemas.openxmlformats.org/drawingml/2006/main" xmlns:r="http://schemas.openxmlformats.org/officeDocument/2006/relationships" name="Spearmint">
-  <a:themeElements>
-    <a:clrScheme name="Spearmint">
-      <a:dk1>
-        <a:srgbClr val="202729"/>
-      </a:dk1>
-      <a:lt1>
-        <a:srgbClr val="FFFFFF"/>
-      </a:lt1>
-      <a:dk2>
-        <a:srgbClr val="4BA173"/>
-      </a:dk2>
-      <a:lt2>
-        <a:srgbClr val="63D297"/>
-      </a:lt2>
-      <a:accent1>
-        <a:srgbClr val="353744"/>
-      </a:accent1>
-      <a:accent2>
-        <a:srgbClr val="424242"/>
-      </a:accent2>
-      <a:accent3>
-        <a:srgbClr val="616161"/>
-      </a:accent3>
-      <a:accent4>
-        <a:srgbClr val="999999"/>
-      </a:accent4>
-      <a:accent5>
-        <a:srgbClr val="FF5252"/>
-      </a:accent5>
-      <a:accent6>
-        <a:srgbClr val="FFF176"/>
-      </a:accent6>
-      <a:hlink>
-        <a:srgbClr val="FF5252"/>
-      </a:hlink>
-      <a:folHlink>
-        <a:srgbClr val="FF5252"/>
-      </a:folHlink>
-    </a:clrScheme>
-    <a:fontScheme name="Office">
-      <a:majorFont>
-        <a:latin typeface="Arial"/>
-        <a:ea typeface=""/>
-        <a:cs typeface=""/>
-        <a:font script="Jpan" typeface="ＭＳ Ｐゴシック"/>
-        <a:font script="Hang" typeface="맑은 고딕"/>
-        <a:font script="Hans" typeface="宋体"/>
-        <a:font script="Hant" typeface="新細明體"/>
-        <a:font script="Arab" typeface="Times New Roman"/>
-        <a:font script="Hebr" typeface="Times New Roman"/>
-        <a:font script="Thai" typeface="Angsana New"/>
-        <a:font script="Ethi" typeface="Nyala"/>
-        <a:font script="Beng" typeface="Vrinda"/>
-        <a:font script="Gujr" typeface="Shruti"/>
-        <a:font script="Khmr" typeface="MoolBoran"/>
-        <a:font script="Knda" typeface="Tunga"/>
-        <a:font script="Guru" typeface="Raavi"/>
-        <a:font script="Cans" typeface="Euphemia"/>
-        <a:font script="Cher" typeface="Plantagenet Cherokee"/>
-        <a:font script="Yiii" typeface="Microsoft Yi Baiti"/>
-        <a:font script="Tibt" typeface="Microsoft Himalaya"/>
-        <a:font script="Thaa" typeface="MV Boli"/>
-        <a:font script="Deva" typeface="Mangal"/>
-        <a:font script="Telu" typeface="Gautami"/>
-        <a:font script="Taml" typeface="Latha"/>
-        <a:font script="Syrc" typeface="Estrangelo Edessa"/>
-        <a:font script="Orya" typeface="Kalinga"/>
-        <a:font script="Mlym" typeface="Kartika"/>
-        <a:font script="Laoo" typeface="DokChampa"/>
-        <a:font script="Sinh" typeface="Iskoola Pota"/>
-        <a:font script="Mong" typeface="Mongolian Baiti"/>
-        <a:font script="Viet" typeface="Times New Roman"/>
-        <a:font script="Uigh" typeface="Microsoft Uighur"/>
-        <a:font script="Geor" typeface="Sylfaen"/>
-      </a:majorFont>
-      <a:minorFont>
-        <a:latin typeface="Arial"/>
-        <a:ea typeface=""/>
-        <a:cs typeface=""/>
-        <a:font script="Jpan" typeface="ＭＳ Ｐゴシック"/>
-        <a:font script="Hang" typeface="맑은 고딕"/>
-        <a:font script="Hans" typeface="宋体"/>
-        <a:font script="Hant" typeface="新細明體"/>
-        <a:font script="Arab" typeface="Arial"/>
-        <a:font script="Hebr" typeface="Arial"/>
-        <a:font script="Thai" typeface="Cordia New"/>
-        <a:font script="Ethi" typeface="Nyala"/>
-        <a:font script="Beng" typeface="Vrinda"/>
-        <a:font script="Gujr" typeface="Shruti"/>
-        <a:font script="Khmr" typeface="DaunPenh"/>
-        <a:font script="Knda" typeface="Tunga"/>
-        <a:font script="Guru" typeface="Raavi"/>
-        <a:font script="Cans" typeface="Euphemia"/>
-        <a:font script="Cher" typeface="Plantagenet Cherokee"/>
-        <a:font script="Yiii" typeface="Microsoft Yi Baiti"/>
-        <a:font script="Tibt" typeface="Microsoft Himalaya"/>
-        <a:font script="Thaa" typeface="MV Boli"/>
-        <a:font script="Deva" typeface="Mangal"/>
-        <a:font script="Telu" typeface="Gautami"/>
-        <a:font script="Taml" typeface="Latha"/>
-        <a:font script="Syrc" typeface="Estrangelo Edessa"/>
-        <a:font script="Orya" typeface="Kalinga"/>
-        <a:font script="Mlym" typeface="Kartika"/>
-        <a:font script="Laoo" typeface="DokChampa"/>
-        <a:font script="Sinh" typeface="Iskoola Pota"/>
-        <a:font script="Mong" typeface="Mongolian Baiti"/>
-        <a:font script="Viet" typeface="Arial"/>
-        <a:font script="Uigh" typeface="Microsoft Uighur"/>
-        <a:font script="Geor" typeface="Sylfaen"/>
-      </a:minorFont>
-    </a:fontScheme>
-    <a:fmtScheme name="Office">
-      <a:fillStyleLst>
-        <a:solidFill>
-          <a:schemeClr val="phClr"/>
-        </a:solidFill>
-        <a:gradFill rotWithShape="1">
-          <a:gsLst>
-            <a:gs pos="0">
-              <a:schemeClr val="phClr">
-                <a:tint val="50000"/>
-                <a:satMod val="300000"/>
-              </a:schemeClr>
-            </a:gs>
-            <a:gs pos="35000">
-              <a:schemeClr val="phClr">
-                <a:tint val="37000"/>
-                <a:satMod val="300000"/>
-              </a:schemeClr>
-            </a:gs>
-            <a:gs pos="100000">
-              <a:schemeClr val="phClr">
-                <a:tint val="15000"/>
-                <a:satMod val="350000"/>
-              </a:schemeClr>
-            </a:gs>
-          </a:gsLst>
-          <a:lin ang="16200000" scaled="1"/>
-        </a:gradFill>
-        <a:gradFill rotWithShape="1">
-          <a:gsLst>
-            <a:gs pos="0">
-              <a:schemeClr val="phClr">
-                <a:tint val="100000"/>
-                <a:shade val="100000"/>
-                <a:satMod val="130000"/>
-              </a:schemeClr>
-            </a:gs>
-            <a:gs pos="100000">
-              <a:schemeClr val="phClr">
-                <a:tint val="50000"/>
-                <a:shade val="100000"/>
-                <a:satMod val="350000"/>
-              </a:schemeClr>
-            </a:gs>
-          </a:gsLst>
-          <a:lin ang="16200000" scaled="0"/>
-        </a:gradFill>
-      </a:fillStyleLst>
-      <a:lnStyleLst>
-        <a:ln w="9525" cap="flat" cmpd="sng" algn="ctr">
-          <a:solidFill>
-            <a:schemeClr val="phClr">
-              <a:shade val="95000"/>
-              <a:satMod val="105000"/>
-            </a:schemeClr>
-          </a:solidFill>
-          <a:prstDash val="solid"/>
-        </a:ln>
-        <a:ln w="25400" cap="flat" cmpd="sng" algn="ctr">
-          <a:solidFill>
-            <a:schemeClr val="phClr"/>
-          </a:solidFill>
-          <a:prstDash val="solid"/>
-        </a:ln>
-        <a:ln w="38100" cap="flat" cmpd="sng" algn="ctr">
-          <a:solidFill>
-            <a:schemeClr val="phClr"/>
-          </a:solidFill>
-          <a:prstDash val="solid"/>
-        </a:ln>
-      </a:lnStyleLst>
-      <a:effectStyleLst>
-        <a:effectStyle>
-          <a:effectLst>
-            <a:outerShdw blurRad="40000" dist="20000" dir="5400000" rotWithShape="0">
-              <a:srgbClr val="000000">
-                <a:alpha val="38000"/>
-              </a:srgbClr>
-            </a:outerShdw>
-          </a:effectLst>
-        </a:effectStyle>
-        <a:effectStyle>
-          <a:effectLst>
-            <a:outerShdw blurRad="40000" dist="23000" dir="5400000" rotWithShape="0">
-              <a:srgbClr val="000000">
-                <a:alpha val="35000"/>
-              </a:srgbClr>
-            </a:outerShdw>
-          </a:effectLst>
-        </a:effectStyle>
-        <a:effectStyle>
-          <a:effectLst>
-            <a:outerShdw blurRad="40000" dist="23000" dir="5400000" rotWithShape="0">
-              <a:srgbClr val="000000">
-                <a:alpha val="35000"/>
-              </a:srgbClr>
-            </a:outerShdw>
-          </a:effectLst>
-          <a:scene3d>
-            <a:camera prst="orthographicFront">
-              <a:rot lat="0" lon="0" rev="0"/>
-            </a:camera>
-            <a:lightRig rig="threePt" dir="t">
-              <a:rot lat="0" lon="0" rev="1200000"/>
-            </a:lightRig>
-          </a:scene3d>
-          <a:sp3d>
-            <a:bevelT w="63500" h="25400"/>
-          </a:sp3d>
-        </a:effectStyle>
-      </a:effectStyleLst>
-      <a:bgFillStyleLst>
-        <a:solidFill>
-          <a:schemeClr val="phClr"/>
-        </a:solidFill>
-        <a:gradFill rotWithShape="1">
-          <a:gsLst>
-            <a:gs pos="0">
-              <a:schemeClr val="phClr">
-                <a:tint val="40000"/>
-                <a:satMod val="350000"/>
-              </a:schemeClr>
-            </a:gs>
-            <a:gs pos="40000">
-              <a:schemeClr val="phClr">
-                <a:tint val="45000"/>
-                <a:shade val="99000"/>
-                <a:satMod val="350000"/>
-              </a:schemeClr>
-            </a:gs>
-            <a:gs pos="100000">
-              <a:schemeClr val="phClr">
-                <a:shade val="20000"/>
-                <a:satMod val="255000"/>
-              </a:schemeClr>
-            </a:gs>
-          </a:gsLst>
-          <a:path path="circle">
-            <a:fillToRect l="50000" t="-80000" r="50000" b="180000"/>
-          </a:path>
-        </a:gradFill>
-        <a:gradFill rotWithShape="1">
-          <a:gsLst>
-            <a:gs pos="0">
-              <a:schemeClr val="phClr">
-                <a:tint val="80000"/>
-                <a:satMod val="300000"/>
-              </a:schemeClr>
-            </a:gs>
-            <a:gs pos="100000">
-              <a:schemeClr val="phClr">
-                <a:shade val="30000"/>
-                <a:satMod val="200000"/>
-              </a:schemeClr>
-            </a:gs>
-          </a:gsLst>
-          <a:path path="circle">
-            <a:fillToRect l="50000" t="50000" r="50000" b="50000"/>
-          </a:path>
-        </a:gradFill>
-      </a:bgFillStyleLst>
-    </a:fmtScheme>
-  </a:themeElements>
-</a:theme>
 </file>